--- a/manual/GQ入门.pptx
+++ b/manual/GQ入门.pptx
@@ -58,38 +58,38 @@
   <p:notesSz cx="6858000" cy="9144000"/>
   <p:embeddedFontLst>
     <p:embeddedFont>
-      <p:font typeface="微软雅黑" panose="020B0503020204020204" pitchFamily="34" charset="-122"/>
+      <p:font typeface="Tahoma" panose="020B0604030504040204" pitchFamily="34" charset="0"/>
       <p:regular r:id="rId48"/>
       <p:bold r:id="rId49"/>
     </p:embeddedFont>
     <p:embeddedFont>
+      <p:font typeface="Calibri Light" panose="020F0302020204030204" pitchFamily="34" charset="0"/>
+      <p:regular r:id="rId50"/>
+      <p:italic r:id="rId51"/>
+    </p:embeddedFont>
+    <p:embeddedFont>
+      <p:font typeface="微软雅黑" panose="020B0503020204020204" pitchFamily="34" charset="-122"/>
+      <p:regular r:id="rId52"/>
+      <p:bold r:id="rId53"/>
+    </p:embeddedFont>
+    <p:embeddedFont>
       <p:font typeface="华文琥珀" panose="02010800040101010101" pitchFamily="2" charset="-122"/>
-      <p:regular r:id="rId50"/>
+      <p:regular r:id="rId54"/>
     </p:embeddedFont>
     <p:embeddedFont>
       <p:font typeface="时尚中黑简体" panose="02010600030101010101" charset="-122"/>
-      <p:regular r:id="rId51"/>
+      <p:regular r:id="rId55"/>
     </p:embeddedFont>
     <p:embeddedFont>
       <p:font typeface="Calibri" panose="020F0502020204030204" pitchFamily="34" charset="0"/>
-      <p:regular r:id="rId52"/>
-      <p:bold r:id="rId53"/>
-      <p:italic r:id="rId54"/>
-      <p:boldItalic r:id="rId55"/>
-    </p:embeddedFont>
-    <p:embeddedFont>
-      <p:font typeface="Calibri Light" panose="020F0302020204030204" pitchFamily="34" charset="0"/>
       <p:regular r:id="rId56"/>
-      <p:italic r:id="rId57"/>
+      <p:bold r:id="rId57"/>
+      <p:italic r:id="rId58"/>
+      <p:boldItalic r:id="rId59"/>
     </p:embeddedFont>
     <p:embeddedFont>
       <p:font typeface="幼圆" panose="02010509060101010101" pitchFamily="49" charset="-122"/>
-      <p:regular r:id="rId58"/>
-    </p:embeddedFont>
-    <p:embeddedFont>
-      <p:font typeface="Tahoma" panose="020B0604030504040204" pitchFamily="34" charset="0"/>
-      <p:regular r:id="rId59"/>
-      <p:bold r:id="rId60"/>
+      <p:regular r:id="rId60"/>
     </p:embeddedFont>
   </p:embeddedFontLst>
   <p:defaultTextStyle>
@@ -189,7 +189,7 @@
   </p:defaultTextStyle>
   <p:extLst>
     <p:ext uri="{EFAFB233-063F-42B5-8137-9DF3F51BA10A}">
-      <p15:sldGuideLst xmlns:p15="http://schemas.microsoft.com/office/powerpoint/2012/main" xmlns="">
+      <p15:sldGuideLst xmlns="" xmlns:p15="http://schemas.microsoft.com/office/powerpoint/2012/main">
         <p15:guide id="4" pos="1118" userDrawn="1">
           <p15:clr>
             <a:srgbClr val="A4A3A4"/>
@@ -288,7 +288,7 @@
           <a:p>
             <a:fld id="{CF42F14B-E7CD-4752-8AAB-1770D9A42AB8}" type="datetimeFigureOut">
               <a:rPr lang="zh-CN" altLang="en-US" smtClean="0"/>
-              <a:t>2016/8/3</a:t>
+              <a:t>2017/9/28</a:t>
             </a:fld>
             <a:endParaRPr lang="zh-CN" altLang="en-US"/>
           </a:p>
@@ -1133,7 +1133,7 @@
             <a:fld id="{F009CAC3-F00E-462B-8D12-8042514BB290}" type="datetimeFigureOut">
               <a:rPr lang="zh-CN" altLang="en-US" smtClean="0"/>
               <a:pPr/>
-              <a:t>2016/8/3</a:t>
+              <a:t>2017/9/28</a:t>
             </a:fld>
             <a:endParaRPr lang="zh-CN" altLang="en-US"/>
           </a:p>
@@ -1305,7 +1305,7 @@
             <a:fld id="{F009CAC3-F00E-462B-8D12-8042514BB290}" type="datetimeFigureOut">
               <a:rPr lang="zh-CN" altLang="en-US" smtClean="0"/>
               <a:pPr/>
-              <a:t>2016/8/3</a:t>
+              <a:t>2017/9/28</a:t>
             </a:fld>
             <a:endParaRPr lang="zh-CN" altLang="en-US"/>
           </a:p>
@@ -1487,7 +1487,7 @@
             <a:fld id="{F009CAC3-F00E-462B-8D12-8042514BB290}" type="datetimeFigureOut">
               <a:rPr lang="zh-CN" altLang="en-US" smtClean="0"/>
               <a:pPr/>
-              <a:t>2016/8/3</a:t>
+              <a:t>2017/9/28</a:t>
             </a:fld>
             <a:endParaRPr lang="zh-CN" altLang="en-US"/>
           </a:p>
@@ -1659,7 +1659,7 @@
             <a:fld id="{F009CAC3-F00E-462B-8D12-8042514BB290}" type="datetimeFigureOut">
               <a:rPr lang="zh-CN" altLang="en-US" smtClean="0"/>
               <a:pPr/>
-              <a:t>2016/8/3</a:t>
+              <a:t>2017/9/28</a:t>
             </a:fld>
             <a:endParaRPr lang="zh-CN" altLang="en-US"/>
           </a:p>
@@ -1907,7 +1907,7 @@
             <a:fld id="{F009CAC3-F00E-462B-8D12-8042514BB290}" type="datetimeFigureOut">
               <a:rPr lang="zh-CN" altLang="en-US" smtClean="0"/>
               <a:pPr/>
-              <a:t>2016/8/3</a:t>
+              <a:t>2017/9/28</a:t>
             </a:fld>
             <a:endParaRPr lang="zh-CN" altLang="en-US"/>
           </a:p>
@@ -2141,7 +2141,7 @@
             <a:fld id="{F009CAC3-F00E-462B-8D12-8042514BB290}" type="datetimeFigureOut">
               <a:rPr lang="zh-CN" altLang="en-US" smtClean="0"/>
               <a:pPr/>
-              <a:t>2016/8/3</a:t>
+              <a:t>2017/9/28</a:t>
             </a:fld>
             <a:endParaRPr lang="zh-CN" altLang="en-US"/>
           </a:p>
@@ -2510,7 +2510,7 @@
             <a:fld id="{F009CAC3-F00E-462B-8D12-8042514BB290}" type="datetimeFigureOut">
               <a:rPr lang="zh-CN" altLang="en-US" smtClean="0"/>
               <a:pPr/>
-              <a:t>2016/8/3</a:t>
+              <a:t>2017/9/28</a:t>
             </a:fld>
             <a:endParaRPr lang="zh-CN" altLang="en-US"/>
           </a:p>
@@ -2630,7 +2630,7 @@
             <a:fld id="{F009CAC3-F00E-462B-8D12-8042514BB290}" type="datetimeFigureOut">
               <a:rPr lang="zh-CN" altLang="en-US" smtClean="0"/>
               <a:pPr/>
-              <a:t>2016/8/3</a:t>
+              <a:t>2017/9/28</a:t>
             </a:fld>
             <a:endParaRPr lang="zh-CN" altLang="en-US"/>
           </a:p>
@@ -2727,7 +2727,7 @@
             <a:fld id="{F009CAC3-F00E-462B-8D12-8042514BB290}" type="datetimeFigureOut">
               <a:rPr lang="zh-CN" altLang="en-US" smtClean="0"/>
               <a:pPr/>
-              <a:t>2016/8/3</a:t>
+              <a:t>2017/9/28</a:t>
             </a:fld>
             <a:endParaRPr lang="zh-CN" altLang="en-US"/>
           </a:p>
@@ -3006,7 +3006,7 @@
             <a:fld id="{F009CAC3-F00E-462B-8D12-8042514BB290}" type="datetimeFigureOut">
               <a:rPr lang="zh-CN" altLang="en-US" smtClean="0"/>
               <a:pPr/>
-              <a:t>2016/8/3</a:t>
+              <a:t>2017/9/28</a:t>
             </a:fld>
             <a:endParaRPr lang="zh-CN" altLang="en-US"/>
           </a:p>
@@ -3261,7 +3261,7 @@
             <a:fld id="{F009CAC3-F00E-462B-8D12-8042514BB290}" type="datetimeFigureOut">
               <a:rPr lang="zh-CN" altLang="en-US" smtClean="0"/>
               <a:pPr/>
-              <a:t>2016/8/3</a:t>
+              <a:t>2017/9/28</a:t>
             </a:fld>
             <a:endParaRPr lang="zh-CN" altLang="en-US"/>
           </a:p>
@@ -3476,7 +3476,7 @@
             <a:fld id="{F009CAC3-F00E-462B-8D12-8042514BB290}" type="datetimeFigureOut">
               <a:rPr lang="zh-CN" altLang="en-US" smtClean="0"/>
               <a:pPr/>
-              <a:t>2016/8/3</a:t>
+              <a:t>2017/9/28</a:t>
             </a:fld>
             <a:endParaRPr lang="zh-CN" altLang="en-US"/>
           </a:p>
@@ -9784,39 +9784,39 @@
           <a:lstStyle/>
           <a:p>
             <a:r>
-              <a:rPr lang="zh-CN" altLang="en-US" b="1"/>
+              <a:rPr lang="zh-CN" altLang="en-US" b="1" dirty="0"/>
               <a:t>了解 </a:t>
             </a:r>
             <a:r>
-              <a:rPr lang="en-US" altLang="zh-CN" b="1"/>
+              <a:rPr lang="en-US" altLang="zh-CN" b="1" dirty="0"/>
               <a:t>Spring Data </a:t>
             </a:r>
             <a:r>
-              <a:rPr lang="en-US" altLang="zh-CN" b="1" smtClean="0"/>
+              <a:rPr lang="en-US" altLang="zh-CN" b="1" dirty="0" smtClean="0"/>
               <a:t>JPA</a:t>
             </a:r>
-            <a:endParaRPr lang="en-US" altLang="zh-CN" b="1" smtClean="0">
+            <a:endParaRPr lang="en-US" altLang="zh-CN" b="1" dirty="0" smtClean="0">
               <a:latin typeface="微软雅黑" panose="020B0503020204020204" pitchFamily="34" charset="-122"/>
               <a:ea typeface="微软雅黑" panose="020B0503020204020204" pitchFamily="34" charset="-122"/>
             </a:endParaRPr>
           </a:p>
           <a:p>
             <a:r>
-              <a:rPr lang="en-US" altLang="zh-CN" smtClean="0">
+              <a:rPr lang="en-US" altLang="zh-CN" dirty="0" smtClean="0">
                 <a:latin typeface="微软雅黑" panose="020B0503020204020204" pitchFamily="34" charset="-122"/>
                 <a:ea typeface="微软雅黑" panose="020B0503020204020204" pitchFamily="34" charset="-122"/>
               </a:rPr>
               <a:t>http</a:t>
             </a:r>
             <a:r>
-              <a:rPr lang="en-US" altLang="zh-CN">
+              <a:rPr lang="en-US" altLang="zh-CN" dirty="0">
                 <a:latin typeface="微软雅黑" panose="020B0503020204020204" pitchFamily="34" charset="-122"/>
                 <a:ea typeface="微软雅黑" panose="020B0503020204020204" pitchFamily="34" charset="-122"/>
               </a:rPr>
               <a:t>://</a:t>
             </a:r>
             <a:r>
-              <a:rPr lang="en-US" altLang="zh-CN" smtClean="0">
+              <a:rPr lang="en-US" altLang="zh-CN" dirty="0" smtClean="0">
                 <a:latin typeface="微软雅黑" panose="020B0503020204020204" pitchFamily="34" charset="-122"/>
                 <a:ea typeface="微软雅黑" panose="020B0503020204020204" pitchFamily="34" charset="-122"/>
               </a:rPr>
@@ -9824,18 +9824,22 @@
             </a:r>
           </a:p>
           <a:p>
-            <a:endParaRPr lang="en-US" altLang="zh-CN" smtClean="0">
+            <a:endParaRPr lang="en-US" altLang="zh-CN" dirty="0" smtClean="0">
               <a:latin typeface="微软雅黑" panose="020B0503020204020204" pitchFamily="34" charset="-122"/>
               <a:ea typeface="微软雅黑" panose="020B0503020204020204" pitchFamily="34" charset="-122"/>
             </a:endParaRPr>
           </a:p>
           <a:p>
             <a:r>
-              <a:rPr lang="en-US" altLang="zh-CN" b="1"/>
-              <a:t>SpringData JPA</a:t>
-            </a:r>
-            <a:r>
-              <a:rPr lang="zh-CN" altLang="en-US" b="1"/>
+              <a:rPr lang="en-US" altLang="zh-CN" b="1" dirty="0" err="1"/>
+              <a:t>SpringData</a:t>
+            </a:r>
+            <a:r>
+              <a:rPr lang="en-US" altLang="zh-CN" b="1" dirty="0"/>
+              <a:t> JPA</a:t>
+            </a:r>
+            <a:r>
+              <a:rPr lang="zh-CN" altLang="en-US" b="1" dirty="0"/>
               <a:t>详解</a:t>
             </a:r>
           </a:p>
@@ -9844,20 +9848,20 @@
               <a:buNone/>
             </a:pPr>
             <a:r>
-              <a:rPr lang="en-US" altLang="zh-CN" smtClean="0">
+              <a:rPr lang="en-US" altLang="zh-CN" dirty="0" smtClean="0">
                 <a:latin typeface="微软雅黑" panose="020B0503020204020204" pitchFamily="34" charset="-122"/>
                 <a:ea typeface="微软雅黑" panose="020B0503020204020204" pitchFamily="34" charset="-122"/>
               </a:rPr>
               <a:t>http</a:t>
             </a:r>
             <a:r>
-              <a:rPr lang="en-US" altLang="zh-CN">
+              <a:rPr lang="en-US" altLang="zh-CN" dirty="0">
                 <a:latin typeface="微软雅黑" panose="020B0503020204020204" pitchFamily="34" charset="-122"/>
                 <a:ea typeface="微软雅黑" panose="020B0503020204020204" pitchFamily="34" charset="-122"/>
               </a:rPr>
               <a:t>://shensuqiao.iteye.com/blog/2096114</a:t>
             </a:r>
-            <a:endParaRPr lang="zh-CN" altLang="en-US">
+            <a:endParaRPr lang="zh-CN" altLang="en-US" dirty="0">
               <a:latin typeface="微软雅黑" panose="020B0503020204020204" pitchFamily="34" charset="-122"/>
               <a:ea typeface="微软雅黑" panose="020B0503020204020204" pitchFamily="34" charset="-122"/>
             </a:endParaRPr>
@@ -10568,37 +10572,7 @@
                 <a:latin typeface="幼圆" panose="02010509060101010101" pitchFamily="49" charset="-122"/>
                 <a:ea typeface="幼圆" panose="02010509060101010101" pitchFamily="49" charset="-122"/>
               </a:rPr>
-              <a:t>无需</a:t>
-            </a:r>
-            <a:r>
-              <a:rPr lang="zh-CN" altLang="en-US" sz="3600" b="1" i="1" smtClean="0">
-                <a:solidFill>
-                  <a:srgbClr val="FF0000"/>
-                </a:solidFill>
-                <a:latin typeface="幼圆" panose="02010509060101010101" pitchFamily="49" charset="-122"/>
-                <a:ea typeface="幼圆" panose="02010509060101010101" pitchFamily="49" charset="-122"/>
-              </a:rPr>
-              <a:t>编写任何实现，</a:t>
-            </a:r>
-            <a:r>
-              <a:rPr lang="zh-CN" altLang="en-US" sz="3600" b="1" i="1" smtClean="0">
-                <a:solidFill>
-                  <a:srgbClr val="FF0000"/>
-                </a:solidFill>
-                <a:latin typeface="幼圆" panose="02010509060101010101" pitchFamily="49" charset="-122"/>
-                <a:ea typeface="幼圆" panose="02010509060101010101" pitchFamily="49" charset="-122"/>
-              </a:rPr>
-              <a:t>直接</a:t>
-            </a:r>
-            <a:r>
-              <a:rPr lang="zh-CN" altLang="en-US" sz="3600" b="1" i="1" smtClean="0">
-                <a:solidFill>
-                  <a:srgbClr val="FF0000"/>
-                </a:solidFill>
-                <a:latin typeface="幼圆" panose="02010509060101010101" pitchFamily="49" charset="-122"/>
-                <a:ea typeface="幼圆" panose="02010509060101010101" pitchFamily="49" charset="-122"/>
-              </a:rPr>
-              <a:t>使用！</a:t>
+              <a:t>无需编写任何实现，直接使用！</a:t>
             </a:r>
             <a:endParaRPr lang="zh-CN" altLang="en-US" sz="3600" b="1" i="1">
               <a:solidFill>
@@ -12079,20 +12053,13 @@
           <a:lstStyle/>
           <a:p>
             <a:r>
-              <a:rPr lang="zh-CN" altLang="en-US" smtClean="0">
-                <a:latin typeface="微软雅黑" panose="020B0503020204020204" pitchFamily="34" charset="-122"/>
-                <a:ea typeface="微软雅黑" panose="020B0503020204020204" pitchFamily="34" charset="-122"/>
-              </a:rPr>
-              <a:t>分页与</a:t>
-            </a:r>
-            <a:r>
-              <a:rPr lang="zh-CN" altLang="en-US" smtClean="0">
-                <a:latin typeface="微软雅黑" panose="020B0503020204020204" pitchFamily="34" charset="-122"/>
-                <a:ea typeface="微软雅黑" panose="020B0503020204020204" pitchFamily="34" charset="-122"/>
-              </a:rPr>
-              <a:t>排序</a:t>
-            </a:r>
-            <a:endParaRPr lang="en-US" altLang="zh-CN" smtClean="0">
+              <a:rPr lang="zh-CN" altLang="en-US" dirty="0" smtClean="0">
+                <a:latin typeface="微软雅黑" panose="020B0503020204020204" pitchFamily="34" charset="-122"/>
+                <a:ea typeface="微软雅黑" panose="020B0503020204020204" pitchFamily="34" charset="-122"/>
+              </a:rPr>
+              <a:t>分页与排序</a:t>
+            </a:r>
+            <a:endParaRPr lang="en-US" altLang="zh-CN" dirty="0" smtClean="0">
               <a:latin typeface="微软雅黑" panose="020B0503020204020204" pitchFamily="34" charset="-122"/>
               <a:ea typeface="微软雅黑" panose="020B0503020204020204" pitchFamily="34" charset="-122"/>
             </a:endParaRPr>
@@ -12100,41 +12067,41 @@
           <a:p>
             <a:pPr lvl="1"/>
             <a:r>
-              <a:rPr lang="zh-CN" altLang="en-US" smtClean="0">
+              <a:rPr lang="zh-CN" altLang="en-US" dirty="0" smtClean="0">
                 <a:latin typeface="微软雅黑" panose="020B0503020204020204" pitchFamily="34" charset="-122"/>
                 <a:ea typeface="微软雅黑" panose="020B0503020204020204" pitchFamily="34" charset="-122"/>
               </a:rPr>
               <a:t>举例说明</a:t>
             </a:r>
-            <a:endParaRPr lang="en-US" altLang="zh-CN" smtClean="0">
+            <a:endParaRPr lang="en-US" altLang="zh-CN" dirty="0" smtClean="0">
               <a:latin typeface="微软雅黑" panose="020B0503020204020204" pitchFamily="34" charset="-122"/>
               <a:ea typeface="微软雅黑" panose="020B0503020204020204" pitchFamily="34" charset="-122"/>
             </a:endParaRPr>
           </a:p>
           <a:p>
             <a:r>
-              <a:rPr lang="zh-CN" altLang="en-US" smtClean="0">
+              <a:rPr lang="zh-CN" altLang="en-US" dirty="0" smtClean="0">
                 <a:latin typeface="微软雅黑" panose="020B0503020204020204" pitchFamily="34" charset="-122"/>
                 <a:ea typeface="微软雅黑" panose="020B0503020204020204" pitchFamily="34" charset="-122"/>
               </a:rPr>
               <a:t>由于</a:t>
             </a:r>
             <a:r>
-              <a:rPr lang="en-US" altLang="zh-CN" smtClean="0">
+              <a:rPr lang="en-US" altLang="zh-CN" dirty="0" smtClean="0">
                 <a:latin typeface="微软雅黑" panose="020B0503020204020204" pitchFamily="34" charset="-122"/>
                 <a:ea typeface="微软雅黑" panose="020B0503020204020204" pitchFamily="34" charset="-122"/>
               </a:rPr>
               <a:t>Query</a:t>
             </a:r>
             <a:r>
-              <a:rPr lang="zh-CN" altLang="en-US" smtClean="0">
+              <a:rPr lang="zh-CN" altLang="en-US" dirty="0" smtClean="0">
                 <a:latin typeface="微软雅黑" panose="020B0503020204020204" pitchFamily="34" charset="-122"/>
                 <a:ea typeface="微软雅黑" panose="020B0503020204020204" pitchFamily="34" charset="-122"/>
               </a:rPr>
               <a:t>的特殊性</a:t>
             </a:r>
             <a:r>
-              <a:rPr lang="en-US" altLang="zh-CN" smtClean="0">
+              <a:rPr lang="en-US" altLang="zh-CN" dirty="0" smtClean="0">
                 <a:latin typeface="微软雅黑" panose="020B0503020204020204" pitchFamily="34" charset="-122"/>
                 <a:ea typeface="微软雅黑" panose="020B0503020204020204" pitchFamily="34" charset="-122"/>
               </a:rPr>
@@ -12144,27 +12111,27 @@
           <a:p>
             <a:pPr lvl="1"/>
             <a:r>
-              <a:rPr lang="zh-CN" altLang="en-US" smtClean="0">
+              <a:rPr lang="zh-CN" altLang="en-US" dirty="0" smtClean="0">
                 <a:latin typeface="微软雅黑" panose="020B0503020204020204" pitchFamily="34" charset="-122"/>
                 <a:ea typeface="微软雅黑" panose="020B0503020204020204" pitchFamily="34" charset="-122"/>
               </a:rPr>
               <a:t>目前无法自由传入</a:t>
             </a:r>
             <a:r>
-              <a:rPr lang="en-US" altLang="zh-CN" smtClean="0">
+              <a:rPr lang="en-US" altLang="zh-CN" dirty="0" smtClean="0">
                 <a:latin typeface="微软雅黑" panose="020B0503020204020204" pitchFamily="34" charset="-122"/>
                 <a:ea typeface="微软雅黑" panose="020B0503020204020204" pitchFamily="34" charset="-122"/>
               </a:rPr>
               <a:t>Sort</a:t>
             </a:r>
             <a:r>
-              <a:rPr lang="zh-CN" altLang="en-US" smtClean="0">
+              <a:rPr lang="zh-CN" altLang="en-US" dirty="0" smtClean="0">
                 <a:latin typeface="微软雅黑" panose="020B0503020204020204" pitchFamily="34" charset="-122"/>
                 <a:ea typeface="微软雅黑" panose="020B0503020204020204" pitchFamily="34" charset="-122"/>
               </a:rPr>
               <a:t>对象进行排序</a:t>
             </a:r>
-            <a:endParaRPr lang="en-US" altLang="zh-CN" smtClean="0">
+            <a:endParaRPr lang="en-US" altLang="zh-CN" dirty="0" smtClean="0">
               <a:latin typeface="微软雅黑" panose="020B0503020204020204" pitchFamily="34" charset="-122"/>
               <a:ea typeface="微软雅黑" panose="020B0503020204020204" pitchFamily="34" charset="-122"/>
             </a:endParaRPr>
@@ -12172,13 +12139,13 @@
           <a:p>
             <a:pPr lvl="1"/>
             <a:r>
-              <a:rPr lang="zh-CN" altLang="en-US" smtClean="0">
+              <a:rPr lang="zh-CN" altLang="en-US" dirty="0" smtClean="0">
                 <a:latin typeface="微软雅黑" panose="020B0503020204020204" pitchFamily="34" charset="-122"/>
                 <a:ea typeface="微软雅黑" panose="020B0503020204020204" pitchFamily="34" charset="-122"/>
               </a:rPr>
               <a:t>但是有一个可变通的方法</a:t>
             </a:r>
-            <a:endParaRPr lang="zh-CN" altLang="en-US">
+            <a:endParaRPr lang="zh-CN" altLang="en-US" dirty="0">
               <a:latin typeface="微软雅黑" panose="020B0503020204020204" pitchFamily="34" charset="-122"/>
               <a:ea typeface="微软雅黑" panose="020B0503020204020204" pitchFamily="34" charset="-122"/>
             </a:endParaRPr>
@@ -13061,27 +13028,13 @@
           <a:lstStyle/>
           <a:p>
             <a:r>
-              <a:rPr lang="zh-CN" altLang="en-US" smtClean="0">
-                <a:latin typeface="微软雅黑" panose="020B0503020204020204" pitchFamily="34" charset="-122"/>
-                <a:ea typeface="微软雅黑" panose="020B0503020204020204" pitchFamily="34" charset="-122"/>
-              </a:rPr>
-              <a:t>插入、更新</a:t>
-            </a:r>
-            <a:r>
-              <a:rPr lang="zh-CN" altLang="en-US" smtClean="0">
-                <a:latin typeface="微软雅黑" panose="020B0503020204020204" pitchFamily="34" charset="-122"/>
-                <a:ea typeface="微软雅黑" panose="020B0503020204020204" pitchFamily="34" charset="-122"/>
-              </a:rPr>
-              <a:t>与</a:t>
-            </a:r>
-            <a:r>
-              <a:rPr lang="zh-CN" altLang="en-US" smtClean="0">
-                <a:latin typeface="微软雅黑" panose="020B0503020204020204" pitchFamily="34" charset="-122"/>
-                <a:ea typeface="微软雅黑" panose="020B0503020204020204" pitchFamily="34" charset="-122"/>
-              </a:rPr>
-              <a:t>删除</a:t>
-            </a:r>
-            <a:endParaRPr lang="en-US" altLang="zh-CN" smtClean="0">
+              <a:rPr lang="zh-CN" altLang="en-US" dirty="0" smtClean="0">
+                <a:latin typeface="微软雅黑" panose="020B0503020204020204" pitchFamily="34" charset="-122"/>
+                <a:ea typeface="微软雅黑" panose="020B0503020204020204" pitchFamily="34" charset="-122"/>
+              </a:rPr>
+              <a:t>插入、更新与删除</a:t>
+            </a:r>
+            <a:endParaRPr lang="en-US" altLang="zh-CN" dirty="0" smtClean="0">
               <a:latin typeface="微软雅黑" panose="020B0503020204020204" pitchFamily="34" charset="-122"/>
               <a:ea typeface="微软雅黑" panose="020B0503020204020204" pitchFamily="34" charset="-122"/>
             </a:endParaRPr>
@@ -13089,26 +13042,26 @@
           <a:p>
             <a:pPr lvl="1"/>
             <a:r>
-              <a:rPr lang="zh-CN" altLang="en-US" smtClean="0">
+              <a:rPr lang="zh-CN" altLang="en-US" dirty="0" smtClean="0">
                 <a:latin typeface="微软雅黑" panose="020B0503020204020204" pitchFamily="34" charset="-122"/>
                 <a:ea typeface="微软雅黑" panose="020B0503020204020204" pitchFamily="34" charset="-122"/>
               </a:rPr>
               <a:t>参见示例</a:t>
             </a:r>
-            <a:endParaRPr lang="en-US" altLang="zh-CN" smtClean="0">
+            <a:endParaRPr lang="en-US" altLang="zh-CN" dirty="0" smtClean="0">
               <a:latin typeface="微软雅黑" panose="020B0503020204020204" pitchFamily="34" charset="-122"/>
               <a:ea typeface="微软雅黑" panose="020B0503020204020204" pitchFamily="34" charset="-122"/>
             </a:endParaRPr>
           </a:p>
           <a:p>
             <a:r>
-              <a:rPr lang="zh-CN" altLang="en-US">
+              <a:rPr lang="zh-CN" altLang="en-US" dirty="0">
                 <a:latin typeface="微软雅黑" panose="020B0503020204020204" pitchFamily="34" charset="-122"/>
                 <a:ea typeface="微软雅黑" panose="020B0503020204020204" pitchFamily="34" charset="-122"/>
               </a:rPr>
               <a:t>注解</a:t>
             </a:r>
-            <a:endParaRPr lang="en-US" altLang="zh-CN" smtClean="0">
+            <a:endParaRPr lang="en-US" altLang="zh-CN" dirty="0" smtClean="0">
               <a:latin typeface="微软雅黑" panose="020B0503020204020204" pitchFamily="34" charset="-122"/>
               <a:ea typeface="微软雅黑" panose="020B0503020204020204" pitchFamily="34" charset="-122"/>
             </a:endParaRPr>
@@ -13116,7 +13069,7 @@
           <a:p>
             <a:pPr lvl="1"/>
             <a:r>
-              <a:rPr lang="en-US" altLang="zh-CN" smtClean="0">
+              <a:rPr lang="en-US" altLang="zh-CN" dirty="0" smtClean="0">
                 <a:latin typeface="微软雅黑" panose="020B0503020204020204" pitchFamily="34" charset="-122"/>
                 <a:ea typeface="微软雅黑" panose="020B0503020204020204" pitchFamily="34" charset="-122"/>
               </a:rPr>
@@ -13126,13 +13079,13 @@
           <a:p>
             <a:pPr lvl="1"/>
             <a:r>
-              <a:rPr lang="en-US" altLang="zh-CN" smtClean="0">
+              <a:rPr lang="en-US" altLang="zh-CN" dirty="0" smtClean="0">
                 <a:latin typeface="微软雅黑" panose="020B0503020204020204" pitchFamily="34" charset="-122"/>
                 <a:ea typeface="微软雅黑" panose="020B0503020204020204" pitchFamily="34" charset="-122"/>
               </a:rPr>
               <a:t>@Transactional</a:t>
             </a:r>
-            <a:endParaRPr lang="zh-CN" altLang="en-US">
+            <a:endParaRPr lang="zh-CN" altLang="en-US" dirty="0">
               <a:latin typeface="微软雅黑" panose="020B0503020204020204" pitchFamily="34" charset="-122"/>
               <a:ea typeface="微软雅黑" panose="020B0503020204020204" pitchFamily="34" charset="-122"/>
             </a:endParaRPr>
@@ -13221,20 +13174,20 @@
           <a:lstStyle/>
           <a:p>
             <a:r>
-              <a:rPr lang="en-US" altLang="zh-CN" smtClean="0">
+              <a:rPr lang="en-US" altLang="zh-CN" dirty="0" smtClean="0">
                 <a:latin typeface="微软雅黑" panose="020B0503020204020204" pitchFamily="34" charset="-122"/>
                 <a:ea typeface="微软雅黑" panose="020B0503020204020204" pitchFamily="34" charset="-122"/>
               </a:rPr>
               <a:t>3</a:t>
             </a:r>
             <a:r>
-              <a:rPr lang="zh-CN" altLang="en-US" smtClean="0">
+              <a:rPr lang="zh-CN" altLang="en-US" dirty="0" smtClean="0">
                 <a:latin typeface="微软雅黑" panose="020B0503020204020204" pitchFamily="34" charset="-122"/>
                 <a:ea typeface="微软雅黑" panose="020B0503020204020204" pitchFamily="34" charset="-122"/>
               </a:rPr>
               <a:t>种查询扩展方式</a:t>
             </a:r>
-            <a:endParaRPr lang="en-US" altLang="zh-CN">
+            <a:endParaRPr lang="en-US" altLang="zh-CN" dirty="0">
               <a:latin typeface="微软雅黑" panose="020B0503020204020204" pitchFamily="34" charset="-122"/>
               <a:ea typeface="微软雅黑" panose="020B0503020204020204" pitchFamily="34" charset="-122"/>
             </a:endParaRPr>
@@ -13242,13 +13195,13 @@
           <a:p>
             <a:pPr lvl="1"/>
             <a:r>
-              <a:rPr lang="zh-CN" altLang="en-US" smtClean="0">
+              <a:rPr lang="zh-CN" altLang="en-US" dirty="0" smtClean="0">
                 <a:latin typeface="微软雅黑" panose="020B0503020204020204" pitchFamily="34" charset="-122"/>
                 <a:ea typeface="微软雅黑" panose="020B0503020204020204" pitchFamily="34" charset="-122"/>
               </a:rPr>
               <a:t>使用方法名</a:t>
             </a:r>
-            <a:endParaRPr lang="en-US" altLang="zh-CN" smtClean="0">
+            <a:endParaRPr lang="en-US" altLang="zh-CN" dirty="0" smtClean="0">
               <a:latin typeface="微软雅黑" panose="020B0503020204020204" pitchFamily="34" charset="-122"/>
               <a:ea typeface="微软雅黑" panose="020B0503020204020204" pitchFamily="34" charset="-122"/>
             </a:endParaRPr>
@@ -13256,27 +13209,27 @@
           <a:p>
             <a:pPr lvl="1"/>
             <a:r>
-              <a:rPr lang="zh-CN" altLang="en-US" smtClean="0">
+              <a:rPr lang="zh-CN" altLang="en-US" dirty="0" smtClean="0">
                 <a:latin typeface="微软雅黑" panose="020B0503020204020204" pitchFamily="34" charset="-122"/>
                 <a:ea typeface="微软雅黑" panose="020B0503020204020204" pitchFamily="34" charset="-122"/>
               </a:rPr>
               <a:t>使用</a:t>
             </a:r>
             <a:r>
-              <a:rPr lang="en-US" altLang="zh-CN" smtClean="0">
+              <a:rPr lang="en-US" altLang="zh-CN" dirty="0" smtClean="0">
                 <a:latin typeface="微软雅黑" panose="020B0503020204020204" pitchFamily="34" charset="-122"/>
                 <a:ea typeface="微软雅黑" panose="020B0503020204020204" pitchFamily="34" charset="-122"/>
               </a:rPr>
               <a:t>@Query + </a:t>
             </a:r>
             <a:r>
-              <a:rPr lang="zh-CN" altLang="en-US" smtClean="0">
+              <a:rPr lang="zh-CN" altLang="en-US" dirty="0" smtClean="0">
                 <a:latin typeface="微软雅黑" panose="020B0503020204020204" pitchFamily="34" charset="-122"/>
                 <a:ea typeface="微软雅黑" panose="020B0503020204020204" pitchFamily="34" charset="-122"/>
               </a:rPr>
               <a:t>语句</a:t>
             </a:r>
-            <a:endParaRPr lang="en-US" altLang="zh-CN" smtClean="0">
+            <a:endParaRPr lang="en-US" altLang="zh-CN" dirty="0" smtClean="0">
               <a:latin typeface="微软雅黑" panose="020B0503020204020204" pitchFamily="34" charset="-122"/>
               <a:ea typeface="微软雅黑" panose="020B0503020204020204" pitchFamily="34" charset="-122"/>
             </a:endParaRPr>
@@ -13284,40 +13237,40 @@
           <a:p>
             <a:pPr lvl="1"/>
             <a:r>
-              <a:rPr lang="zh-CN" altLang="en-US" smtClean="0">
+              <a:rPr lang="zh-CN" altLang="en-US" dirty="0" smtClean="0">
                 <a:latin typeface="微软雅黑" panose="020B0503020204020204" pitchFamily="34" charset="-122"/>
                 <a:ea typeface="微软雅黑" panose="020B0503020204020204" pitchFamily="34" charset="-122"/>
               </a:rPr>
               <a:t>使用</a:t>
             </a:r>
             <a:r>
-              <a:rPr lang="en-US" altLang="zh-CN" smtClean="0">
+              <a:rPr lang="en-US" altLang="zh-CN" dirty="0" smtClean="0">
                 <a:latin typeface="微软雅黑" panose="020B0503020204020204" pitchFamily="34" charset="-122"/>
                 <a:ea typeface="微软雅黑" panose="020B0503020204020204" pitchFamily="34" charset="-122"/>
               </a:rPr>
               <a:t>@Query + </a:t>
             </a:r>
             <a:r>
-              <a:rPr lang="zh-CN" altLang="en-US" smtClean="0">
+              <a:rPr lang="zh-CN" altLang="en-US" dirty="0" smtClean="0">
                 <a:latin typeface="微软雅黑" panose="020B0503020204020204" pitchFamily="34" charset="-122"/>
                 <a:ea typeface="微软雅黑" panose="020B0503020204020204" pitchFamily="34" charset="-122"/>
               </a:rPr>
               <a:t>查询名</a:t>
             </a:r>
-            <a:endParaRPr lang="en-US" altLang="zh-CN">
+            <a:endParaRPr lang="en-US" altLang="zh-CN" dirty="0">
               <a:latin typeface="微软雅黑" panose="020B0503020204020204" pitchFamily="34" charset="-122"/>
               <a:ea typeface="微软雅黑" panose="020B0503020204020204" pitchFamily="34" charset="-122"/>
             </a:endParaRPr>
           </a:p>
           <a:p>
             <a:r>
-              <a:rPr lang="zh-CN" altLang="en-US" smtClean="0">
+              <a:rPr lang="zh-CN" altLang="en-US" dirty="0" smtClean="0">
                 <a:latin typeface="微软雅黑" panose="020B0503020204020204" pitchFamily="34" charset="-122"/>
                 <a:ea typeface="微软雅黑" panose="020B0503020204020204" pitchFamily="34" charset="-122"/>
               </a:rPr>
               <a:t>未来将支持</a:t>
             </a:r>
-            <a:endParaRPr lang="en-US" altLang="zh-CN" smtClean="0">
+            <a:endParaRPr lang="en-US" altLang="zh-CN" dirty="0" smtClean="0">
               <a:latin typeface="微软雅黑" panose="020B0503020204020204" pitchFamily="34" charset="-122"/>
               <a:ea typeface="微软雅黑" panose="020B0503020204020204" pitchFamily="34" charset="-122"/>
             </a:endParaRPr>
@@ -13325,13 +13278,13 @@
           <a:p>
             <a:pPr lvl="1"/>
             <a:r>
-              <a:rPr lang="zh-CN" altLang="en-US" smtClean="0">
+              <a:rPr lang="zh-CN" altLang="en-US" dirty="0" smtClean="0">
                 <a:latin typeface="微软雅黑" panose="020B0503020204020204" pitchFamily="34" charset="-122"/>
                 <a:ea typeface="微软雅黑" panose="020B0503020204020204" pitchFamily="34" charset="-122"/>
               </a:rPr>
               <a:t>存储过程</a:t>
             </a:r>
-            <a:endParaRPr lang="en-US" altLang="zh-CN" smtClean="0">
+            <a:endParaRPr lang="en-US" altLang="zh-CN" dirty="0" smtClean="0">
               <a:latin typeface="微软雅黑" panose="020B0503020204020204" pitchFamily="34" charset="-122"/>
               <a:ea typeface="微软雅黑" panose="020B0503020204020204" pitchFamily="34" charset="-122"/>
             </a:endParaRPr>
@@ -13339,13 +13292,13 @@
           <a:p>
             <a:pPr lvl="1"/>
             <a:r>
-              <a:rPr lang="zh-CN" altLang="en-US" smtClean="0">
+              <a:rPr lang="zh-CN" altLang="en-US" dirty="0" smtClean="0">
                 <a:latin typeface="微软雅黑" panose="020B0503020204020204" pitchFamily="34" charset="-122"/>
                 <a:ea typeface="微软雅黑" panose="020B0503020204020204" pitchFamily="34" charset="-122"/>
               </a:rPr>
               <a:t>匿名存储过程块</a:t>
             </a:r>
-            <a:endParaRPr lang="en-US" altLang="zh-CN" smtClean="0">
+            <a:endParaRPr lang="en-US" altLang="zh-CN" dirty="0" smtClean="0">
               <a:latin typeface="微软雅黑" panose="020B0503020204020204" pitchFamily="34" charset="-122"/>
               <a:ea typeface="微软雅黑" panose="020B0503020204020204" pitchFamily="34" charset="-122"/>
             </a:endParaRPr>
@@ -13353,27 +13306,27 @@
           <a:p>
             <a:pPr lvl="1"/>
             <a:r>
-              <a:rPr lang="zh-CN" altLang="en-US" smtClean="0">
+              <a:rPr lang="zh-CN" altLang="en-US" dirty="0" smtClean="0">
                 <a:latin typeface="微软雅黑" panose="020B0503020204020204" pitchFamily="34" charset="-122"/>
                 <a:ea typeface="微软雅黑" panose="020B0503020204020204" pitchFamily="34" charset="-122"/>
               </a:rPr>
               <a:t>在</a:t>
             </a:r>
             <a:r>
-              <a:rPr lang="en-US" altLang="zh-CN" smtClean="0">
+              <a:rPr lang="en-US" altLang="zh-CN" dirty="0" smtClean="0">
                 <a:latin typeface="微软雅黑" panose="020B0503020204020204" pitchFamily="34" charset="-122"/>
                 <a:ea typeface="微软雅黑" panose="020B0503020204020204" pitchFamily="34" charset="-122"/>
               </a:rPr>
               <a:t>Repository</a:t>
             </a:r>
             <a:r>
-              <a:rPr lang="zh-CN" altLang="en-US" smtClean="0">
+              <a:rPr lang="zh-CN" altLang="en-US" dirty="0" smtClean="0">
                 <a:latin typeface="微软雅黑" panose="020B0503020204020204" pitchFamily="34" charset="-122"/>
                 <a:ea typeface="微软雅黑" panose="020B0503020204020204" pitchFamily="34" charset="-122"/>
               </a:rPr>
               <a:t>中扩展自定义实现</a:t>
             </a:r>
-            <a:endParaRPr lang="en-US" altLang="zh-CN" smtClean="0">
+            <a:endParaRPr lang="en-US" altLang="zh-CN" dirty="0" smtClean="0">
               <a:latin typeface="微软雅黑" panose="020B0503020204020204" pitchFamily="34" charset="-122"/>
               <a:ea typeface="微软雅黑" panose="020B0503020204020204" pitchFamily="34" charset="-122"/>
             </a:endParaRPr>
@@ -13926,14 +13879,7 @@
                 <a:latin typeface="微软雅黑" panose="020B0503020204020204" pitchFamily="34" charset="-122"/>
                 <a:ea typeface="微软雅黑" panose="020B0503020204020204" pitchFamily="34" charset="-122"/>
               </a:rPr>
-              <a:t>并发</a:t>
-            </a:r>
-            <a:r>
-              <a:rPr lang="zh-CN" altLang="en-US" smtClean="0">
-                <a:latin typeface="微软雅黑" panose="020B0503020204020204" pitchFamily="34" charset="-122"/>
-                <a:ea typeface="微软雅黑" panose="020B0503020204020204" pitchFamily="34" charset="-122"/>
-              </a:rPr>
-              <a:t>引起的血案</a:t>
+              <a:t>并发引起的血案</a:t>
             </a:r>
             <a:endParaRPr lang="zh-CN" altLang="en-US">
               <a:latin typeface="微软雅黑" panose="020B0503020204020204" pitchFamily="34" charset="-122"/>
@@ -14393,15 +14339,7 @@
                   <a:srgbClr val="FF0000"/>
                 </a:solidFill>
               </a:rPr>
-              <a:t>卧</a:t>
-            </a:r>
-            <a:r>
-              <a:rPr lang="zh-CN" altLang="en-US" sz="1050">
-                <a:solidFill>
-                  <a:srgbClr val="FF0000"/>
-                </a:solidFill>
-              </a:rPr>
-              <a:t>槽</a:t>
+              <a:t>卧槽</a:t>
             </a:r>
             <a:r>
               <a:rPr lang="zh-CN" altLang="en-US" sz="1050" smtClean="0">
@@ -14924,14 +14862,14 @@
           <a:lstStyle/>
           <a:p>
             <a:r>
-              <a:rPr lang="zh-CN" altLang="en-US" sz="1200" smtClean="0">
+              <a:rPr lang="zh-CN" altLang="en-US" sz="1200" dirty="0" smtClean="0">
                 <a:solidFill>
                   <a:srgbClr val="FF0000"/>
                 </a:solidFill>
               </a:rPr>
               <a:t>天了噜！天上掉馅饼啦！</a:t>
             </a:r>
-            <a:endParaRPr lang="zh-CN" altLang="en-US" sz="1200">
+            <a:endParaRPr lang="zh-CN" altLang="en-US" sz="1200" dirty="0">
               <a:solidFill>
                 <a:srgbClr val="FF0000"/>
               </a:solidFill>
@@ -15196,343 +15134,294 @@
           <a:lstStyle/>
           <a:p>
             <a:r>
-              <a:rPr lang="zh-CN" altLang="en-US" sz="1600" b="1" smtClean="0">
+              <a:rPr lang="zh-CN" altLang="en-US" sz="1600" b="1" dirty="0" smtClean="0">
                 <a:latin typeface="微软雅黑" panose="020B0503020204020204" pitchFamily="34" charset="-122"/>
                 <a:ea typeface="微软雅黑" panose="020B0503020204020204" pitchFamily="34" charset="-122"/>
               </a:rPr>
               <a:t>脏</a:t>
             </a:r>
             <a:r>
-              <a:rPr lang="zh-CN" altLang="en-US" sz="1600" b="1">
+              <a:rPr lang="zh-CN" altLang="en-US" sz="1600" b="1" dirty="0">
                 <a:latin typeface="微软雅黑" panose="020B0503020204020204" pitchFamily="34" charset="-122"/>
                 <a:ea typeface="微软雅黑" panose="020B0503020204020204" pitchFamily="34" charset="-122"/>
               </a:rPr>
               <a:t>读（</a:t>
             </a:r>
             <a:r>
-              <a:rPr lang="en-US" altLang="zh-CN" sz="1600" b="1">
-                <a:latin typeface="微软雅黑" panose="020B0503020204020204" pitchFamily="34" charset="-122"/>
-                <a:ea typeface="微软雅黑" panose="020B0503020204020204" pitchFamily="34" charset="-122"/>
-              </a:rPr>
-              <a:t>Dirty </a:t>
-            </a:r>
-            <a:r>
-              <a:rPr lang="en-US" altLang="zh-CN" sz="1600" b="1">
-                <a:latin typeface="微软雅黑" panose="020B0503020204020204" pitchFamily="34" charset="-122"/>
-                <a:ea typeface="微软雅黑" panose="020B0503020204020204" pitchFamily="34" charset="-122"/>
-              </a:rPr>
-              <a:t>Reads</a:t>
-            </a:r>
-            <a:r>
-              <a:rPr lang="zh-CN" altLang="en-US" sz="1600" b="1" smtClean="0">
+              <a:rPr lang="en-US" altLang="zh-CN" sz="1600" b="1" dirty="0">
+                <a:latin typeface="微软雅黑" panose="020B0503020204020204" pitchFamily="34" charset="-122"/>
+                <a:ea typeface="微软雅黑" panose="020B0503020204020204" pitchFamily="34" charset="-122"/>
+              </a:rPr>
+              <a:t>Dirty Reads</a:t>
+            </a:r>
+            <a:r>
+              <a:rPr lang="zh-CN" altLang="en-US" sz="1600" b="1" dirty="0" smtClean="0">
                 <a:latin typeface="微软雅黑" panose="020B0503020204020204" pitchFamily="34" charset="-122"/>
                 <a:ea typeface="微软雅黑" panose="020B0503020204020204" pitchFamily="34" charset="-122"/>
               </a:rPr>
               <a:t>）</a:t>
             </a:r>
             <a:r>
-              <a:rPr lang="en-US" altLang="zh-CN" sz="1600" b="1" smtClean="0">
+              <a:rPr lang="en-US" altLang="zh-CN" sz="1600" b="1" dirty="0" smtClean="0">
                 <a:latin typeface="微软雅黑" panose="020B0503020204020204" pitchFamily="34" charset="-122"/>
                 <a:ea typeface="微软雅黑" panose="020B0503020204020204" pitchFamily="34" charset="-122"/>
               </a:rPr>
               <a:t/>
             </a:r>
             <a:br>
-              <a:rPr lang="en-US" altLang="zh-CN" sz="1600" b="1" smtClean="0">
+              <a:rPr lang="en-US" altLang="zh-CN" sz="1600" b="1" dirty="0" smtClean="0">
                 <a:latin typeface="微软雅黑" panose="020B0503020204020204" pitchFamily="34" charset="-122"/>
                 <a:ea typeface="微软雅黑" panose="020B0503020204020204" pitchFamily="34" charset="-122"/>
               </a:rPr>
             </a:br>
             <a:r>
-              <a:rPr lang="zh-CN" altLang="en-US" sz="1600" smtClean="0">
+              <a:rPr lang="zh-CN" altLang="en-US" sz="1600" dirty="0" smtClean="0">
                 <a:latin typeface="微软雅黑" panose="020B0503020204020204" pitchFamily="34" charset="-122"/>
                 <a:ea typeface="微软雅黑" panose="020B0503020204020204" pitchFamily="34" charset="-122"/>
               </a:rPr>
               <a:t>一</a:t>
             </a:r>
             <a:r>
-              <a:rPr lang="zh-CN" altLang="en-US" sz="1600">
-                <a:latin typeface="微软雅黑" panose="020B0503020204020204" pitchFamily="34" charset="-122"/>
-                <a:ea typeface="微软雅黑" panose="020B0503020204020204" pitchFamily="34" charset="-122"/>
-              </a:rPr>
-              <a:t>个事务</a:t>
-            </a:r>
-            <a:r>
-              <a:rPr lang="zh-CN" altLang="en-US" sz="1600">
-                <a:latin typeface="微软雅黑" panose="020B0503020204020204" pitchFamily="34" charset="-122"/>
-                <a:ea typeface="微软雅黑" panose="020B0503020204020204" pitchFamily="34" charset="-122"/>
-              </a:rPr>
-              <a:t>已经</a:t>
-            </a:r>
-            <a:r>
-              <a:rPr lang="zh-CN" altLang="en-US" sz="1600" smtClean="0">
+              <a:rPr lang="zh-CN" altLang="en-US" sz="1600" dirty="0">
+                <a:latin typeface="微软雅黑" panose="020B0503020204020204" pitchFamily="34" charset="-122"/>
+                <a:ea typeface="微软雅黑" panose="020B0503020204020204" pitchFamily="34" charset="-122"/>
+              </a:rPr>
+              <a:t>个事务已经</a:t>
+            </a:r>
+            <a:r>
+              <a:rPr lang="zh-CN" altLang="en-US" sz="1600" dirty="0" smtClean="0">
                 <a:latin typeface="微软雅黑" panose="020B0503020204020204" pitchFamily="34" charset="-122"/>
                 <a:ea typeface="微软雅黑" panose="020B0503020204020204" pitchFamily="34" charset="-122"/>
               </a:rPr>
               <a:t>更新记录但还没提交。另一</a:t>
             </a:r>
             <a:r>
-              <a:rPr lang="zh-CN" altLang="en-US" sz="1600">
+              <a:rPr lang="zh-CN" altLang="en-US" sz="1600" dirty="0">
                 <a:latin typeface="微软雅黑" panose="020B0503020204020204" pitchFamily="34" charset="-122"/>
                 <a:ea typeface="微软雅黑" panose="020B0503020204020204" pitchFamily="34" charset="-122"/>
               </a:rPr>
               <a:t>个</a:t>
             </a:r>
             <a:r>
-              <a:rPr lang="zh-CN" altLang="en-US" sz="1600" smtClean="0">
+              <a:rPr lang="zh-CN" altLang="en-US" sz="1600" dirty="0" smtClean="0">
                 <a:latin typeface="微软雅黑" panose="020B0503020204020204" pitchFamily="34" charset="-122"/>
                 <a:ea typeface="微软雅黑" panose="020B0503020204020204" pitchFamily="34" charset="-122"/>
               </a:rPr>
               <a:t>事务读到了还没提交的数据。</a:t>
             </a:r>
-            <a:endParaRPr lang="en-US" altLang="zh-CN" sz="1600" smtClean="0">
+            <a:endParaRPr lang="en-US" altLang="zh-CN" sz="1600" dirty="0" smtClean="0">
               <a:latin typeface="微软雅黑" panose="020B0503020204020204" pitchFamily="34" charset="-122"/>
               <a:ea typeface="微软雅黑" panose="020B0503020204020204" pitchFamily="34" charset="-122"/>
             </a:endParaRPr>
           </a:p>
           <a:p>
-            <a:endParaRPr lang="en-US" altLang="zh-CN" sz="1600" b="1" smtClean="0">
+            <a:endParaRPr lang="en-US" altLang="zh-CN" sz="1600" b="1" dirty="0" smtClean="0">
               <a:latin typeface="微软雅黑" panose="020B0503020204020204" pitchFamily="34" charset="-122"/>
               <a:ea typeface="微软雅黑" panose="020B0503020204020204" pitchFamily="34" charset="-122"/>
             </a:endParaRPr>
           </a:p>
           <a:p>
             <a:r>
-              <a:rPr lang="zh-CN" altLang="en-US" sz="1600" b="1" smtClean="0">
+              <a:rPr lang="zh-CN" altLang="en-US" sz="1600" b="1" dirty="0" smtClean="0">
                 <a:latin typeface="微软雅黑" panose="020B0503020204020204" pitchFamily="34" charset="-122"/>
                 <a:ea typeface="微软雅黑" panose="020B0503020204020204" pitchFamily="34" charset="-122"/>
               </a:rPr>
               <a:t>幻读</a:t>
             </a:r>
             <a:r>
-              <a:rPr lang="zh-CN" altLang="en-US" sz="1600" b="1">
+              <a:rPr lang="zh-CN" altLang="en-US" sz="1600" b="1" dirty="0">
                 <a:latin typeface="微软雅黑" panose="020B0503020204020204" pitchFamily="34" charset="-122"/>
                 <a:ea typeface="微软雅黑" panose="020B0503020204020204" pitchFamily="34" charset="-122"/>
               </a:rPr>
               <a:t>（</a:t>
             </a:r>
             <a:r>
-              <a:rPr lang="en-US" altLang="zh-CN" sz="1600" b="1">
-                <a:latin typeface="微软雅黑" panose="020B0503020204020204" pitchFamily="34" charset="-122"/>
-                <a:ea typeface="微软雅黑" panose="020B0503020204020204" pitchFamily="34" charset="-122"/>
-              </a:rPr>
-              <a:t>Phantom </a:t>
-            </a:r>
-            <a:r>
-              <a:rPr lang="en-US" altLang="zh-CN" sz="1600" b="1">
-                <a:latin typeface="微软雅黑" panose="020B0503020204020204" pitchFamily="34" charset="-122"/>
-                <a:ea typeface="微软雅黑" panose="020B0503020204020204" pitchFamily="34" charset="-122"/>
-              </a:rPr>
-              <a:t>Reads</a:t>
-            </a:r>
-            <a:r>
-              <a:rPr lang="zh-CN" altLang="en-US" sz="1600" b="1" smtClean="0">
+              <a:rPr lang="en-US" altLang="zh-CN" sz="1600" b="1" dirty="0">
+                <a:latin typeface="微软雅黑" panose="020B0503020204020204" pitchFamily="34" charset="-122"/>
+                <a:ea typeface="微软雅黑" panose="020B0503020204020204" pitchFamily="34" charset="-122"/>
+              </a:rPr>
+              <a:t>Phantom Reads</a:t>
+            </a:r>
+            <a:r>
+              <a:rPr lang="zh-CN" altLang="en-US" sz="1600" b="1" dirty="0" smtClean="0">
                 <a:latin typeface="微软雅黑" panose="020B0503020204020204" pitchFamily="34" charset="-122"/>
                 <a:ea typeface="微软雅黑" panose="020B0503020204020204" pitchFamily="34" charset="-122"/>
               </a:rPr>
               <a:t>）</a:t>
             </a:r>
             <a:r>
-              <a:rPr lang="en-US" altLang="zh-CN" sz="1600" b="1" smtClean="0">
+              <a:rPr lang="en-US" altLang="zh-CN" sz="1600" b="1" dirty="0" smtClean="0">
                 <a:latin typeface="微软雅黑" panose="020B0503020204020204" pitchFamily="34" charset="-122"/>
                 <a:ea typeface="微软雅黑" panose="020B0503020204020204" pitchFamily="34" charset="-122"/>
               </a:rPr>
               <a:t/>
             </a:r>
             <a:br>
-              <a:rPr lang="en-US" altLang="zh-CN" sz="1600" b="1" smtClean="0">
+              <a:rPr lang="en-US" altLang="zh-CN" sz="1600" b="1" dirty="0" smtClean="0">
                 <a:latin typeface="微软雅黑" panose="020B0503020204020204" pitchFamily="34" charset="-122"/>
                 <a:ea typeface="微软雅黑" panose="020B0503020204020204" pitchFamily="34" charset="-122"/>
               </a:rPr>
             </a:br>
             <a:r>
-              <a:rPr lang="zh-CN" altLang="en-US" sz="1600" smtClean="0">
+              <a:rPr lang="zh-CN" altLang="en-US" sz="1600" dirty="0" smtClean="0">
                 <a:latin typeface="微软雅黑" panose="020B0503020204020204" pitchFamily="34" charset="-122"/>
                 <a:ea typeface="微软雅黑" panose="020B0503020204020204" pitchFamily="34" charset="-122"/>
               </a:rPr>
               <a:t>事务进行先后两</a:t>
             </a:r>
             <a:r>
-              <a:rPr lang="zh-CN" altLang="en-US" sz="1600">
-                <a:latin typeface="微软雅黑" panose="020B0503020204020204" pitchFamily="34" charset="-122"/>
-                <a:ea typeface="微软雅黑" panose="020B0503020204020204" pitchFamily="34" charset="-122"/>
-              </a:rPr>
-              <a:t>次查询，第二</a:t>
-            </a:r>
-            <a:r>
-              <a:rPr lang="zh-CN" altLang="en-US" sz="1600">
-                <a:latin typeface="微软雅黑" panose="020B0503020204020204" pitchFamily="34" charset="-122"/>
-                <a:ea typeface="微软雅黑" panose="020B0503020204020204" pitchFamily="34" charset="-122"/>
-              </a:rPr>
-              <a:t>次</a:t>
-            </a:r>
-            <a:r>
-              <a:rPr lang="zh-CN" altLang="en-US" sz="1600" smtClean="0">
+              <a:rPr lang="zh-CN" altLang="en-US" sz="1600" dirty="0">
+                <a:latin typeface="微软雅黑" panose="020B0503020204020204" pitchFamily="34" charset="-122"/>
+                <a:ea typeface="微软雅黑" panose="020B0503020204020204" pitchFamily="34" charset="-122"/>
+              </a:rPr>
+              <a:t>次查询，第二次</a:t>
+            </a:r>
+            <a:r>
+              <a:rPr lang="zh-CN" altLang="en-US" sz="1600" dirty="0" smtClean="0">
                 <a:latin typeface="微软雅黑" panose="020B0503020204020204" pitchFamily="34" charset="-122"/>
                 <a:ea typeface="微软雅黑" panose="020B0503020204020204" pitchFamily="34" charset="-122"/>
               </a:rPr>
               <a:t>查询比第一次</a:t>
             </a:r>
             <a:r>
-              <a:rPr lang="zh-CN" altLang="en-US" sz="1600">
+              <a:rPr lang="zh-CN" altLang="en-US" sz="1600" dirty="0">
                 <a:latin typeface="微软雅黑" panose="020B0503020204020204" pitchFamily="34" charset="-122"/>
                 <a:ea typeface="微软雅黑" panose="020B0503020204020204" pitchFamily="34" charset="-122"/>
               </a:rPr>
               <a:t>查询</a:t>
             </a:r>
             <a:r>
-              <a:rPr lang="zh-CN" altLang="en-US" sz="1600" smtClean="0">
+              <a:rPr lang="zh-CN" altLang="en-US" sz="1600" dirty="0" smtClean="0">
                 <a:latin typeface="微软雅黑" panose="020B0503020204020204" pitchFamily="34" charset="-122"/>
                 <a:ea typeface="微软雅黑" panose="020B0503020204020204" pitchFamily="34" charset="-122"/>
               </a:rPr>
               <a:t>中多了，或者少了数据（两次</a:t>
             </a:r>
             <a:r>
-              <a:rPr lang="en-US" altLang="zh-CN" sz="1600" smtClean="0">
+              <a:rPr lang="en-US" altLang="zh-CN" sz="1600" dirty="0" smtClean="0">
                 <a:latin typeface="微软雅黑" panose="020B0503020204020204" pitchFamily="34" charset="-122"/>
                 <a:ea typeface="微软雅黑" panose="020B0503020204020204" pitchFamily="34" charset="-122"/>
               </a:rPr>
               <a:t>SQL</a:t>
             </a:r>
             <a:r>
-              <a:rPr lang="zh-CN" altLang="en-US" sz="1600" smtClean="0">
+              <a:rPr lang="zh-CN" altLang="en-US" sz="1600" dirty="0" smtClean="0">
                 <a:latin typeface="微软雅黑" panose="020B0503020204020204" pitchFamily="34" charset="-122"/>
                 <a:ea typeface="微软雅黑" panose="020B0503020204020204" pitchFamily="34" charset="-122"/>
               </a:rPr>
               <a:t>可以不同）。因为</a:t>
             </a:r>
             <a:r>
-              <a:rPr lang="zh-CN" altLang="en-US" sz="1600">
-                <a:latin typeface="微软雅黑" panose="020B0503020204020204" pitchFamily="34" charset="-122"/>
-                <a:ea typeface="微软雅黑" panose="020B0503020204020204" pitchFamily="34" charset="-122"/>
-              </a:rPr>
-              <a:t>在两次查询过程中有另外一个事务插入数据造成</a:t>
-            </a:r>
-            <a:r>
-              <a:rPr lang="zh-CN" altLang="en-US" sz="1600">
-                <a:latin typeface="微软雅黑" panose="020B0503020204020204" pitchFamily="34" charset="-122"/>
-                <a:ea typeface="微软雅黑" panose="020B0503020204020204" pitchFamily="34" charset="-122"/>
-              </a:rPr>
-              <a:t>的</a:t>
-            </a:r>
-            <a:r>
-              <a:rPr lang="zh-CN" altLang="en-US" sz="1600" smtClean="0">
+              <a:rPr lang="zh-CN" altLang="en-US" sz="1600" dirty="0">
+                <a:latin typeface="微软雅黑" panose="020B0503020204020204" pitchFamily="34" charset="-122"/>
+                <a:ea typeface="微软雅黑" panose="020B0503020204020204" pitchFamily="34" charset="-122"/>
+              </a:rPr>
+              <a:t>在两次查询过程中有另外一个事务插入数据造成的</a:t>
+            </a:r>
+            <a:r>
+              <a:rPr lang="zh-CN" altLang="en-US" sz="1600" dirty="0" smtClean="0">
                 <a:latin typeface="微软雅黑" panose="020B0503020204020204" pitchFamily="34" charset="-122"/>
                 <a:ea typeface="微软雅黑" panose="020B0503020204020204" pitchFamily="34" charset="-122"/>
               </a:rPr>
               <a:t>。</a:t>
             </a:r>
-            <a:endParaRPr lang="en-US" altLang="zh-CN" sz="1600" smtClean="0">
+            <a:endParaRPr lang="en-US" altLang="zh-CN" sz="1600" dirty="0" smtClean="0">
               <a:latin typeface="微软雅黑" panose="020B0503020204020204" pitchFamily="34" charset="-122"/>
               <a:ea typeface="微软雅黑" panose="020B0503020204020204" pitchFamily="34" charset="-122"/>
             </a:endParaRPr>
           </a:p>
           <a:p>
-            <a:endParaRPr lang="en-US" altLang="zh-CN" sz="1600" smtClean="0">
+            <a:endParaRPr lang="en-US" altLang="zh-CN" sz="1600" dirty="0" smtClean="0">
               <a:latin typeface="微软雅黑" panose="020B0503020204020204" pitchFamily="34" charset="-122"/>
               <a:ea typeface="微软雅黑" panose="020B0503020204020204" pitchFamily="34" charset="-122"/>
             </a:endParaRPr>
           </a:p>
           <a:p>
             <a:r>
-              <a:rPr lang="zh-CN" altLang="en-US" sz="1600" b="1" smtClean="0">
+              <a:rPr lang="zh-CN" altLang="en-US" sz="1600" b="1" dirty="0" smtClean="0">
                 <a:latin typeface="微软雅黑" panose="020B0503020204020204" pitchFamily="34" charset="-122"/>
                 <a:ea typeface="微软雅黑" panose="020B0503020204020204" pitchFamily="34" charset="-122"/>
               </a:rPr>
               <a:t>不可</a:t>
             </a:r>
             <a:r>
-              <a:rPr lang="zh-CN" altLang="en-US" sz="1600" b="1">
+              <a:rPr lang="zh-CN" altLang="en-US" sz="1600" b="1" dirty="0">
                 <a:latin typeface="微软雅黑" panose="020B0503020204020204" pitchFamily="34" charset="-122"/>
                 <a:ea typeface="微软雅黑" panose="020B0503020204020204" pitchFamily="34" charset="-122"/>
               </a:rPr>
               <a:t>重复读（</a:t>
             </a:r>
             <a:r>
-              <a:rPr lang="en-US" altLang="zh-CN" sz="1600" b="1">
-                <a:latin typeface="微软雅黑" panose="020B0503020204020204" pitchFamily="34" charset="-122"/>
-                <a:ea typeface="微软雅黑" panose="020B0503020204020204" pitchFamily="34" charset="-122"/>
-              </a:rPr>
-              <a:t>Non-repeatable </a:t>
-            </a:r>
-            <a:r>
-              <a:rPr lang="en-US" altLang="zh-CN" sz="1600" b="1">
-                <a:latin typeface="微软雅黑" panose="020B0503020204020204" pitchFamily="34" charset="-122"/>
-                <a:ea typeface="微软雅黑" panose="020B0503020204020204" pitchFamily="34" charset="-122"/>
-              </a:rPr>
-              <a:t>Reads</a:t>
-            </a:r>
-            <a:r>
-              <a:rPr lang="zh-CN" altLang="en-US" sz="1600" b="1" smtClean="0">
+              <a:rPr lang="en-US" altLang="zh-CN" sz="1600" b="1" dirty="0">
+                <a:latin typeface="微软雅黑" panose="020B0503020204020204" pitchFamily="34" charset="-122"/>
+                <a:ea typeface="微软雅黑" panose="020B0503020204020204" pitchFamily="34" charset="-122"/>
+              </a:rPr>
+              <a:t>Non-repeatable Reads</a:t>
+            </a:r>
+            <a:r>
+              <a:rPr lang="zh-CN" altLang="en-US" sz="1600" b="1" dirty="0" smtClean="0">
                 <a:latin typeface="微软雅黑" panose="020B0503020204020204" pitchFamily="34" charset="-122"/>
                 <a:ea typeface="微软雅黑" panose="020B0503020204020204" pitchFamily="34" charset="-122"/>
               </a:rPr>
               <a:t>）</a:t>
             </a:r>
-            <a:endParaRPr lang="en-US" altLang="zh-CN" sz="1600" b="1" smtClean="0">
+            <a:endParaRPr lang="en-US" altLang="zh-CN" sz="1600" b="1" dirty="0" smtClean="0">
               <a:latin typeface="微软雅黑" panose="020B0503020204020204" pitchFamily="34" charset="-122"/>
               <a:ea typeface="微软雅黑" panose="020B0503020204020204" pitchFamily="34" charset="-122"/>
             </a:endParaRPr>
           </a:p>
           <a:p>
             <a:r>
-              <a:rPr lang="zh-CN" altLang="en-US" sz="1600" smtClean="0">
+              <a:rPr lang="zh-CN" altLang="en-US" sz="1600" dirty="0" smtClean="0">
                 <a:latin typeface="微软雅黑" panose="020B0503020204020204" pitchFamily="34" charset="-122"/>
                 <a:ea typeface="微软雅黑" panose="020B0503020204020204" pitchFamily="34" charset="-122"/>
               </a:rPr>
               <a:t>事务</a:t>
             </a:r>
             <a:r>
-              <a:rPr lang="en-US" altLang="zh-CN" sz="1600" smtClean="0">
+              <a:rPr lang="en-US" altLang="zh-CN" sz="1600" dirty="0" smtClean="0">
                 <a:latin typeface="微软雅黑" panose="020B0503020204020204" pitchFamily="34" charset="-122"/>
                 <a:ea typeface="微软雅黑" panose="020B0503020204020204" pitchFamily="34" charset="-122"/>
               </a:rPr>
               <a:t>1</a:t>
             </a:r>
             <a:r>
-              <a:rPr lang="zh-CN" altLang="en-US" sz="1600">
-                <a:latin typeface="微软雅黑" panose="020B0503020204020204" pitchFamily="34" charset="-122"/>
-                <a:ea typeface="微软雅黑" panose="020B0503020204020204" pitchFamily="34" charset="-122"/>
-              </a:rPr>
-              <a:t>读取某一数据后</a:t>
-            </a:r>
-            <a:r>
-              <a:rPr lang="zh-CN" altLang="en-US" sz="1600">
-                <a:latin typeface="微软雅黑" panose="020B0503020204020204" pitchFamily="34" charset="-122"/>
-                <a:ea typeface="微软雅黑" panose="020B0503020204020204" pitchFamily="34" charset="-122"/>
-              </a:rPr>
-              <a:t>，</a:t>
-            </a:r>
-            <a:r>
-              <a:rPr lang="zh-CN" altLang="en-US" sz="1600" smtClean="0">
+              <a:rPr lang="zh-CN" altLang="en-US" sz="1600" dirty="0">
+                <a:latin typeface="微软雅黑" panose="020B0503020204020204" pitchFamily="34" charset="-122"/>
+                <a:ea typeface="微软雅黑" panose="020B0503020204020204" pitchFamily="34" charset="-122"/>
+              </a:rPr>
+              <a:t>读取某一数据后，</a:t>
+            </a:r>
+            <a:r>
+              <a:rPr lang="zh-CN" altLang="en-US" sz="1600" dirty="0" smtClean="0">
                 <a:latin typeface="微软雅黑" panose="020B0503020204020204" pitchFamily="34" charset="-122"/>
                 <a:ea typeface="微软雅黑" panose="020B0503020204020204" pitchFamily="34" charset="-122"/>
               </a:rPr>
               <a:t>事务</a:t>
             </a:r>
             <a:r>
-              <a:rPr lang="en-US" altLang="zh-CN" sz="1600" smtClean="0">
+              <a:rPr lang="en-US" altLang="zh-CN" sz="1600" dirty="0" smtClean="0">
                 <a:latin typeface="微软雅黑" panose="020B0503020204020204" pitchFamily="34" charset="-122"/>
                 <a:ea typeface="微软雅黑" panose="020B0503020204020204" pitchFamily="34" charset="-122"/>
               </a:rPr>
               <a:t>2</a:t>
             </a:r>
             <a:r>
-              <a:rPr lang="zh-CN" altLang="en-US" sz="1600">
+              <a:rPr lang="zh-CN" altLang="en-US" sz="1600" dirty="0">
                 <a:latin typeface="微软雅黑" panose="020B0503020204020204" pitchFamily="34" charset="-122"/>
                 <a:ea typeface="微软雅黑" panose="020B0503020204020204" pitchFamily="34" charset="-122"/>
               </a:rPr>
               <a:t>对其做了修改，当事务</a:t>
             </a:r>
             <a:r>
-              <a:rPr lang="en-US" altLang="zh-CN" sz="1600">
+              <a:rPr lang="en-US" altLang="zh-CN" sz="1600" dirty="0">
                 <a:latin typeface="微软雅黑" panose="020B0503020204020204" pitchFamily="34" charset="-122"/>
                 <a:ea typeface="微软雅黑" panose="020B0503020204020204" pitchFamily="34" charset="-122"/>
               </a:rPr>
               <a:t>T1</a:t>
             </a:r>
             <a:r>
-              <a:rPr lang="zh-CN" altLang="en-US" sz="1600">
+              <a:rPr lang="zh-CN" altLang="en-US" sz="1600" dirty="0">
                 <a:latin typeface="微软雅黑" panose="020B0503020204020204" pitchFamily="34" charset="-122"/>
                 <a:ea typeface="微软雅黑" panose="020B0503020204020204" pitchFamily="34" charset="-122"/>
               </a:rPr>
@@ -15540,94 +15429,80 @@
             </a:r>
           </a:p>
           <a:p>
-            <a:endParaRPr lang="zh-CN" altLang="en-US" sz="1600" b="1">
+            <a:endParaRPr lang="zh-CN" altLang="en-US" sz="1600" b="1" dirty="0">
               <a:latin typeface="微软雅黑" panose="020B0503020204020204" pitchFamily="34" charset="-122"/>
               <a:ea typeface="微软雅黑" panose="020B0503020204020204" pitchFamily="34" charset="-122"/>
             </a:endParaRPr>
           </a:p>
           <a:p>
-            <a:endParaRPr lang="en-US" altLang="zh-CN" sz="1600" b="1" smtClean="0">
+            <a:endParaRPr lang="en-US" altLang="zh-CN" sz="1600" b="1" dirty="0" smtClean="0">
               <a:latin typeface="微软雅黑" panose="020B0503020204020204" pitchFamily="34" charset="-122"/>
               <a:ea typeface="微软雅黑" panose="020B0503020204020204" pitchFamily="34" charset="-122"/>
             </a:endParaRPr>
           </a:p>
           <a:p>
             <a:r>
-              <a:rPr lang="zh-CN" altLang="en-US" sz="1600" b="1">
+              <a:rPr lang="zh-CN" altLang="en-US" sz="1600" b="1" dirty="0">
                 <a:latin typeface="微软雅黑" panose="020B0503020204020204" pitchFamily="34" charset="-122"/>
                 <a:ea typeface="微软雅黑" panose="020B0503020204020204" pitchFamily="34" charset="-122"/>
               </a:rPr>
               <a:t>更新丢失（</a:t>
             </a:r>
             <a:r>
-              <a:rPr lang="en-US" altLang="zh-CN" sz="1600" b="1">
-                <a:latin typeface="微软雅黑" panose="020B0503020204020204" pitchFamily="34" charset="-122"/>
-                <a:ea typeface="微软雅黑" panose="020B0503020204020204" pitchFamily="34" charset="-122"/>
-              </a:rPr>
-              <a:t>Lost </a:t>
-            </a:r>
-            <a:r>
-              <a:rPr lang="en-US" altLang="zh-CN" sz="1600" b="1">
-                <a:latin typeface="微软雅黑" panose="020B0503020204020204" pitchFamily="34" charset="-122"/>
-                <a:ea typeface="微软雅黑" panose="020B0503020204020204" pitchFamily="34" charset="-122"/>
-              </a:rPr>
-              <a:t>update</a:t>
-            </a:r>
-            <a:r>
-              <a:rPr lang="zh-CN" altLang="en-US" sz="1600" b="1" smtClean="0">
+              <a:rPr lang="en-US" altLang="zh-CN" sz="1600" b="1" dirty="0">
+                <a:latin typeface="微软雅黑" panose="020B0503020204020204" pitchFamily="34" charset="-122"/>
+                <a:ea typeface="微软雅黑" panose="020B0503020204020204" pitchFamily="34" charset="-122"/>
+              </a:rPr>
+              <a:t>Lost update</a:t>
+            </a:r>
+            <a:r>
+              <a:rPr lang="zh-CN" altLang="en-US" sz="1600" b="1" dirty="0" smtClean="0">
                 <a:latin typeface="微软雅黑" panose="020B0503020204020204" pitchFamily="34" charset="-122"/>
                 <a:ea typeface="微软雅黑" panose="020B0503020204020204" pitchFamily="34" charset="-122"/>
               </a:rPr>
               <a:t>）</a:t>
             </a:r>
             <a:r>
-              <a:rPr lang="en-US" altLang="zh-CN" sz="1600" b="1" smtClean="0">
+              <a:rPr lang="en-US" altLang="zh-CN" sz="1600" b="1" dirty="0" smtClean="0">
                 <a:latin typeface="微软雅黑" panose="020B0503020204020204" pitchFamily="34" charset="-122"/>
                 <a:ea typeface="微软雅黑" panose="020B0503020204020204" pitchFamily="34" charset="-122"/>
               </a:rPr>
               <a:t/>
             </a:r>
             <a:br>
-              <a:rPr lang="en-US" altLang="zh-CN" sz="1600" b="1" smtClean="0">
+              <a:rPr lang="en-US" altLang="zh-CN" sz="1600" b="1" dirty="0" smtClean="0">
                 <a:latin typeface="微软雅黑" panose="020B0503020204020204" pitchFamily="34" charset="-122"/>
                 <a:ea typeface="微软雅黑" panose="020B0503020204020204" pitchFamily="34" charset="-122"/>
               </a:rPr>
             </a:br>
             <a:r>
-              <a:rPr lang="zh-CN" altLang="en-US" sz="1600" smtClean="0">
+              <a:rPr lang="zh-CN" altLang="en-US" sz="1600" dirty="0" smtClean="0">
                 <a:latin typeface="微软雅黑" panose="020B0503020204020204" pitchFamily="34" charset="-122"/>
                 <a:ea typeface="微软雅黑" panose="020B0503020204020204" pitchFamily="34" charset="-122"/>
               </a:rPr>
               <a:t>两</a:t>
             </a:r>
             <a:r>
-              <a:rPr lang="zh-CN" altLang="en-US" sz="1600">
-                <a:latin typeface="微软雅黑" panose="020B0503020204020204" pitchFamily="34" charset="-122"/>
-                <a:ea typeface="微软雅黑" panose="020B0503020204020204" pitchFamily="34" charset="-122"/>
-              </a:rPr>
-              <a:t>个事务都同时更新一行</a:t>
-            </a:r>
-            <a:r>
-              <a:rPr lang="zh-CN" altLang="en-US" sz="1600">
-                <a:latin typeface="微软雅黑" panose="020B0503020204020204" pitchFamily="34" charset="-122"/>
-                <a:ea typeface="微软雅黑" panose="020B0503020204020204" pitchFamily="34" charset="-122"/>
-              </a:rPr>
-              <a:t>数据</a:t>
-            </a:r>
-            <a:r>
-              <a:rPr lang="zh-CN" altLang="en-US" sz="1600" smtClean="0">
+              <a:rPr lang="zh-CN" altLang="en-US" sz="1600" dirty="0">
+                <a:latin typeface="微软雅黑" panose="020B0503020204020204" pitchFamily="34" charset="-122"/>
+                <a:ea typeface="微软雅黑" panose="020B0503020204020204" pitchFamily="34" charset="-122"/>
+              </a:rPr>
+              <a:t>个事务都同时更新一行数据</a:t>
+            </a:r>
+            <a:r>
+              <a:rPr lang="zh-CN" altLang="en-US" sz="1600" dirty="0" smtClean="0">
                 <a:latin typeface="微软雅黑" panose="020B0503020204020204" pitchFamily="34" charset="-122"/>
                 <a:ea typeface="微软雅黑" panose="020B0503020204020204" pitchFamily="34" charset="-122"/>
               </a:rPr>
               <a:t>，导致对数据的两个修改都失效了。系统没有执行任何的锁操作，因此并发事务并没有被隔离开来。</a:t>
             </a:r>
-            <a:endParaRPr lang="zh-CN" altLang="en-US" sz="1600">
+            <a:endParaRPr lang="zh-CN" altLang="en-US" sz="1600" dirty="0">
               <a:latin typeface="微软雅黑" panose="020B0503020204020204" pitchFamily="34" charset="-122"/>
               <a:ea typeface="微软雅黑" panose="020B0503020204020204" pitchFamily="34" charset="-122"/>
             </a:endParaRPr>
           </a:p>
           <a:p>
-            <a:endParaRPr lang="zh-CN" altLang="en-US" sz="1600">
+            <a:endParaRPr lang="zh-CN" altLang="en-US" sz="1600" dirty="0">
               <a:latin typeface="微软雅黑" panose="020B0503020204020204" pitchFamily="34" charset="-122"/>
               <a:ea typeface="微软雅黑" panose="020B0503020204020204" pitchFamily="34" charset="-122"/>
             </a:endParaRPr>
@@ -15657,7 +15532,7 @@
           <a:lstStyle/>
           <a:p>
             <a:r>
-              <a:rPr lang="zh-CN" altLang="en-US" sz="1600" smtClean="0">
+              <a:rPr lang="zh-CN" altLang="en-US" sz="1600" dirty="0" smtClean="0">
                 <a:solidFill>
                   <a:srgbClr val="FF0000"/>
                 </a:solidFill>
@@ -15667,7 +15542,7 @@
               <a:t>☆ 数据库</a:t>
             </a:r>
             <a:r>
-              <a:rPr lang="zh-CN" altLang="en-US" sz="1600">
+              <a:rPr lang="zh-CN" altLang="en-US" sz="1600" dirty="0">
                 <a:solidFill>
                   <a:srgbClr val="FF0000"/>
                 </a:solidFill>
@@ -15677,7 +15552,7 @@
               <a:t>事务隔离级别（</a:t>
             </a:r>
             <a:r>
-              <a:rPr lang="en-US" altLang="zh-CN" sz="1600">
+              <a:rPr lang="en-US" altLang="zh-CN" sz="1600" dirty="0">
                 <a:solidFill>
                   <a:srgbClr val="FF0000"/>
                 </a:solidFill>
@@ -15687,36 +15562,26 @@
               <a:t> Read Committed</a:t>
             </a:r>
             <a:r>
-              <a:rPr lang="zh-CN" altLang="en-US" sz="1600">
+              <a:rPr lang="zh-CN" altLang="en-US" sz="1600" dirty="0">
                 <a:solidFill>
                   <a:srgbClr val="FF0000"/>
                 </a:solidFill>
                 <a:latin typeface="微软雅黑" panose="020B0503020204020204" pitchFamily="34" charset="-122"/>
                 <a:ea typeface="微软雅黑" panose="020B0503020204020204" pitchFamily="34" charset="-122"/>
               </a:rPr>
-              <a:t>）已经帮</a:t>
-            </a:r>
-            <a:r>
-              <a:rPr lang="zh-CN" altLang="en-US" sz="1600">
+              <a:t>）已经帮我们</a:t>
+            </a:r>
+            <a:r>
+              <a:rPr lang="zh-CN" altLang="en-US" sz="1600" dirty="0" smtClean="0">
                 <a:solidFill>
                   <a:srgbClr val="FF0000"/>
                 </a:solidFill>
                 <a:latin typeface="微软雅黑" panose="020B0503020204020204" pitchFamily="34" charset="-122"/>
                 <a:ea typeface="微软雅黑" panose="020B0503020204020204" pitchFamily="34" charset="-122"/>
               </a:rPr>
-              <a:t>我们</a:t>
-            </a:r>
-            <a:r>
-              <a:rPr lang="zh-CN" altLang="en-US" sz="1600" smtClean="0">
-                <a:solidFill>
-                  <a:srgbClr val="FF0000"/>
-                </a:solidFill>
-                <a:latin typeface="微软雅黑" panose="020B0503020204020204" pitchFamily="34" charset="-122"/>
-                <a:ea typeface="微软雅黑" panose="020B0503020204020204" pitchFamily="34" charset="-122"/>
-              </a:rPr>
               <a:t>解决了，一般开发者无需关注</a:t>
             </a:r>
-            <a:endParaRPr lang="en-US" altLang="zh-CN" sz="1600">
+            <a:endParaRPr lang="en-US" altLang="zh-CN" sz="1600" dirty="0">
               <a:solidFill>
                 <a:srgbClr val="FF0000"/>
               </a:solidFill>
@@ -15725,7 +15590,7 @@
             </a:endParaRPr>
           </a:p>
           <a:p>
-            <a:endParaRPr lang="zh-CN" altLang="en-US" sz="1600">
+            <a:endParaRPr lang="zh-CN" altLang="en-US" sz="1600" dirty="0">
               <a:latin typeface="微软雅黑" panose="020B0503020204020204" pitchFamily="34" charset="-122"/>
               <a:ea typeface="微软雅黑" panose="020B0503020204020204" pitchFamily="34" charset="-122"/>
             </a:endParaRPr>
@@ -15755,7 +15620,7 @@
           <a:lstStyle/>
           <a:p>
             <a:r>
-              <a:rPr lang="zh-CN" altLang="en-US" sz="1600" smtClean="0">
+              <a:rPr lang="zh-CN" altLang="en-US" sz="1600" dirty="0" smtClean="0">
                 <a:solidFill>
                   <a:srgbClr val="FF0000"/>
                 </a:solidFill>
@@ -15764,7 +15629,7 @@
               </a:rPr>
               <a:t>☆ 一般除了极个别统计需求，大部分业务能够接受这种数据变化</a:t>
             </a:r>
-            <a:endParaRPr lang="zh-CN" altLang="en-US" sz="1600">
+            <a:endParaRPr lang="zh-CN" altLang="en-US" sz="1600" dirty="0">
               <a:latin typeface="微软雅黑" panose="020B0503020204020204" pitchFamily="34" charset="-122"/>
               <a:ea typeface="微软雅黑" panose="020B0503020204020204" pitchFamily="34" charset="-122"/>
             </a:endParaRPr>
@@ -15794,7 +15659,7 @@
           <a:lstStyle/>
           <a:p>
             <a:r>
-              <a:rPr lang="zh-CN" altLang="en-US" sz="1600" smtClean="0">
+              <a:rPr lang="zh-CN" altLang="en-US" sz="1600" dirty="0" smtClean="0">
                 <a:solidFill>
                   <a:srgbClr val="FF0000"/>
                 </a:solidFill>
@@ -15803,7 +15668,7 @@
               </a:rPr>
               <a:t>☆ 大部分业务能够接受这种数据变化</a:t>
             </a:r>
-            <a:endParaRPr lang="en-US" altLang="zh-CN" sz="1600" smtClean="0">
+            <a:endParaRPr lang="en-US" altLang="zh-CN" sz="1600" dirty="0" smtClean="0">
               <a:solidFill>
                 <a:srgbClr val="FF0000"/>
               </a:solidFill>
@@ -15813,7 +15678,7 @@
           </a:p>
           <a:p>
             <a:r>
-              <a:rPr lang="zh-CN" altLang="en-US" sz="1600" smtClean="0">
+              <a:rPr lang="zh-CN" altLang="en-US" sz="1600" dirty="0" smtClean="0">
                 <a:solidFill>
                   <a:srgbClr val="FF0000"/>
                 </a:solidFill>
@@ -15823,7 +15688,7 @@
               <a:t>☆ </a:t>
             </a:r>
             <a:r>
-              <a:rPr lang="en-US" altLang="zh-CN" sz="1600" smtClean="0">
+              <a:rPr lang="en-US" altLang="zh-CN" sz="1600" dirty="0" smtClean="0">
                 <a:solidFill>
                   <a:srgbClr val="FF0000"/>
                 </a:solidFill>
@@ -15833,7 +15698,7 @@
               <a:t>Oracle</a:t>
             </a:r>
             <a:r>
-              <a:rPr lang="zh-CN" altLang="en-US" sz="1600" smtClean="0">
+              <a:rPr lang="zh-CN" altLang="en-US" sz="1600" dirty="0" smtClean="0">
                 <a:solidFill>
                   <a:srgbClr val="FF0000"/>
                 </a:solidFill>
@@ -15842,7 +15707,7 @@
               </a:rPr>
               <a:t>默认级别提供了可重复读</a:t>
             </a:r>
-            <a:endParaRPr lang="zh-CN" altLang="en-US" sz="1600">
+            <a:endParaRPr lang="zh-CN" altLang="en-US" sz="1600" dirty="0">
               <a:latin typeface="微软雅黑" panose="020B0503020204020204" pitchFamily="34" charset="-122"/>
               <a:ea typeface="微软雅黑" panose="020B0503020204020204" pitchFamily="34" charset="-122"/>
             </a:endParaRPr>
@@ -15872,7 +15737,7 @@
           <a:lstStyle/>
           <a:p>
             <a:r>
-              <a:rPr lang="zh-CN" altLang="en-US" sz="1600" smtClean="0">
+              <a:rPr lang="zh-CN" altLang="en-US" sz="1600" dirty="0" smtClean="0">
                 <a:solidFill>
                   <a:srgbClr val="FF0000"/>
                 </a:solidFill>
@@ -15881,7 +15746,7 @@
               </a:rPr>
               <a:t>☆ 几乎所有的数据库几乎都能防止这种情况，除非您自己写一个</a:t>
             </a:r>
-            <a:endParaRPr lang="en-US" altLang="zh-CN" sz="1600" smtClean="0">
+            <a:endParaRPr lang="en-US" altLang="zh-CN" sz="1600" dirty="0" smtClean="0">
               <a:solidFill>
                 <a:srgbClr val="FF0000"/>
               </a:solidFill>
@@ -15891,7 +15756,7 @@
           </a:p>
           <a:p>
             <a:r>
-              <a:rPr lang="zh-CN" altLang="en-US" sz="1600" smtClean="0">
+              <a:rPr lang="zh-CN" altLang="en-US" sz="1600" dirty="0" smtClean="0">
                 <a:solidFill>
                   <a:srgbClr val="FF0000"/>
                 </a:solidFill>
@@ -15901,7 +15766,7 @@
               <a:t>☆ 由于使用了非原子的 </a:t>
             </a:r>
             <a:r>
-              <a:rPr lang="en-US" altLang="zh-CN" sz="1600" smtClean="0">
+              <a:rPr lang="en-US" altLang="zh-CN" sz="1600" dirty="0" smtClean="0">
                 <a:solidFill>
                   <a:srgbClr val="FF0000"/>
                 </a:solidFill>
@@ -15911,7 +15776,7 @@
               <a:t>load and update</a:t>
             </a:r>
             <a:r>
-              <a:rPr lang="zh-CN" altLang="en-US" sz="1600" smtClean="0">
+              <a:rPr lang="zh-CN" altLang="en-US" sz="1600" dirty="0" smtClean="0">
                 <a:solidFill>
                   <a:srgbClr val="FF0000"/>
                 </a:solidFill>
@@ -15920,7 +15785,7 @@
               </a:rPr>
               <a:t>操作，还是有可能丢失更新</a:t>
             </a:r>
-            <a:endParaRPr lang="zh-CN" altLang="en-US" sz="1600">
+            <a:endParaRPr lang="zh-CN" altLang="en-US" sz="1600" dirty="0">
               <a:latin typeface="微软雅黑" panose="020B0503020204020204" pitchFamily="34" charset="-122"/>
               <a:ea typeface="微软雅黑" panose="020B0503020204020204" pitchFamily="34" charset="-122"/>
             </a:endParaRPr>
@@ -15937,11 +15802,11 @@
   <p:clrMapOvr>
     <a:masterClrMapping/>
   </p:clrMapOvr>
-  <mc:AlternateContent xmlns:mc="http://schemas.openxmlformats.org/markup-compatibility/2006">
-    <mc:Choice xmlns:p14="http://schemas.microsoft.com/office/powerpoint/2010/main" Requires="p14">
+  <mc:AlternateContent xmlns:mc="http://schemas.openxmlformats.org/markup-compatibility/2006" xmlns:p14="http://schemas.microsoft.com/office/powerpoint/2010/main">
+    <mc:Choice Requires="p14">
       <p:transition spd="slow" p14:dur="2000"/>
     </mc:Choice>
-    <mc:Fallback>
+    <mc:Fallback xmlns="">
       <p:transition spd="slow"/>
     </mc:Fallback>
   </mc:AlternateContent>
@@ -16033,37 +15898,30 @@
           <a:lstStyle/>
           <a:p>
             <a:r>
-              <a:rPr lang="en-US" altLang="zh-CN" smtClean="0">
-                <a:latin typeface="微软雅黑" panose="020B0503020204020204" pitchFamily="34" charset="-122"/>
-                <a:ea typeface="微软雅黑" panose="020B0503020204020204" pitchFamily="34" charset="-122"/>
-              </a:rPr>
-              <a:t>A </a:t>
-            </a:r>
-            <a:r>
-              <a:rPr lang="en-US" altLang="zh-CN" smtClean="0">
-                <a:latin typeface="微软雅黑" panose="020B0503020204020204" pitchFamily="34" charset="-122"/>
-                <a:ea typeface="微软雅黑" panose="020B0503020204020204" pitchFamily="34" charset="-122"/>
-              </a:rPr>
-              <a:t>update. B delete</a:t>
+              <a:rPr lang="en-US" altLang="zh-CN" dirty="0" smtClean="0">
+                <a:latin typeface="微软雅黑" panose="020B0503020204020204" pitchFamily="34" charset="-122"/>
+                <a:ea typeface="微软雅黑" panose="020B0503020204020204" pitchFamily="34" charset="-122"/>
+              </a:rPr>
+              <a:t>A update. B delete</a:t>
             </a:r>
           </a:p>
           <a:p>
             <a:pPr lvl="1"/>
             <a:r>
-              <a:rPr lang="zh-CN" altLang="en-US" smtClean="0">
+              <a:rPr lang="zh-CN" altLang="en-US" dirty="0" smtClean="0">
                 <a:latin typeface="微软雅黑" panose="020B0503020204020204" pitchFamily="34" charset="-122"/>
                 <a:ea typeface="微软雅黑" panose="020B0503020204020204" pitchFamily="34" charset="-122"/>
               </a:rPr>
               <a:t>最后记录不存在（被删除），结果是一样</a:t>
             </a:r>
-            <a:endParaRPr lang="en-US" altLang="zh-CN" smtClean="0">
+            <a:endParaRPr lang="en-US" altLang="zh-CN" dirty="0" smtClean="0">
               <a:latin typeface="微软雅黑" panose="020B0503020204020204" pitchFamily="34" charset="-122"/>
               <a:ea typeface="微软雅黑" panose="020B0503020204020204" pitchFamily="34" charset="-122"/>
             </a:endParaRPr>
           </a:p>
           <a:p>
             <a:r>
-              <a:rPr lang="en-US" altLang="zh-CN" smtClean="0">
+              <a:rPr lang="en-US" altLang="zh-CN" dirty="0" smtClean="0">
                 <a:latin typeface="微软雅黑" panose="020B0503020204020204" pitchFamily="34" charset="-122"/>
                 <a:ea typeface="微软雅黑" panose="020B0503020204020204" pitchFamily="34" charset="-122"/>
               </a:rPr>
@@ -16073,20 +15931,20 @@
           <a:p>
             <a:pPr lvl="1"/>
             <a:r>
-              <a:rPr lang="zh-CN" altLang="en-US" smtClean="0">
+              <a:rPr lang="zh-CN" altLang="en-US" dirty="0" smtClean="0">
                 <a:latin typeface="微软雅黑" panose="020B0503020204020204" pitchFamily="34" charset="-122"/>
                 <a:ea typeface="微软雅黑" panose="020B0503020204020204" pitchFamily="34" charset="-122"/>
               </a:rPr>
               <a:t>如果数据库有约束，后来者会收到错误。如无约束，两条记录互不影响</a:t>
             </a:r>
-            <a:endParaRPr lang="en-US" altLang="zh-CN" smtClean="0">
+            <a:endParaRPr lang="en-US" altLang="zh-CN" dirty="0" smtClean="0">
               <a:latin typeface="微软雅黑" panose="020B0503020204020204" pitchFamily="34" charset="-122"/>
               <a:ea typeface="微软雅黑" panose="020B0503020204020204" pitchFamily="34" charset="-122"/>
             </a:endParaRPr>
           </a:p>
           <a:p>
             <a:r>
-              <a:rPr lang="en-US" altLang="zh-CN" smtClean="0">
+              <a:rPr lang="en-US" altLang="zh-CN" dirty="0" smtClean="0">
                 <a:latin typeface="微软雅黑" panose="020B0503020204020204" pitchFamily="34" charset="-122"/>
                 <a:ea typeface="微软雅黑" panose="020B0503020204020204" pitchFamily="34" charset="-122"/>
               </a:rPr>
@@ -16096,34 +15954,27 @@
           <a:p>
             <a:pPr lvl="1"/>
             <a:r>
-              <a:rPr lang="zh-CN" altLang="en-US">
-                <a:latin typeface="微软雅黑" panose="020B0503020204020204" pitchFamily="34" charset="-122"/>
-                <a:ea typeface="微软雅黑" panose="020B0503020204020204" pitchFamily="34" charset="-122"/>
-              </a:rPr>
-              <a:t>如果数据库有约束，后来者会收到错误。如无约束，两条记录</a:t>
-            </a:r>
-            <a:r>
-              <a:rPr lang="zh-CN" altLang="en-US">
-                <a:latin typeface="微软雅黑" panose="020B0503020204020204" pitchFamily="34" charset="-122"/>
-                <a:ea typeface="微软雅黑" panose="020B0503020204020204" pitchFamily="34" charset="-122"/>
-              </a:rPr>
-              <a:t>互不</a:t>
-            </a:r>
-            <a:r>
-              <a:rPr lang="zh-CN" altLang="en-US" smtClean="0">
+              <a:rPr lang="zh-CN" altLang="en-US" dirty="0">
+                <a:latin typeface="微软雅黑" panose="020B0503020204020204" pitchFamily="34" charset="-122"/>
+                <a:ea typeface="微软雅黑" panose="020B0503020204020204" pitchFamily="34" charset="-122"/>
+              </a:rPr>
+              <a:t>如果数据库有约束，后来者会收到错误。如无约束，两条记录互不</a:t>
+            </a:r>
+            <a:r>
+              <a:rPr lang="zh-CN" altLang="en-US" dirty="0" smtClean="0">
                 <a:latin typeface="微软雅黑" panose="020B0503020204020204" pitchFamily="34" charset="-122"/>
                 <a:ea typeface="微软雅黑" panose="020B0503020204020204" pitchFamily="34" charset="-122"/>
               </a:rPr>
               <a:t>影响</a:t>
             </a:r>
-            <a:endParaRPr lang="en-US" altLang="zh-CN" smtClean="0">
+            <a:endParaRPr lang="en-US" altLang="zh-CN" dirty="0" smtClean="0">
               <a:latin typeface="微软雅黑" panose="020B0503020204020204" pitchFamily="34" charset="-122"/>
               <a:ea typeface="微软雅黑" panose="020B0503020204020204" pitchFamily="34" charset="-122"/>
             </a:endParaRPr>
           </a:p>
           <a:p>
             <a:r>
-              <a:rPr lang="en-US" altLang="zh-CN" smtClean="0">
+              <a:rPr lang="en-US" altLang="zh-CN" dirty="0" smtClean="0">
                 <a:latin typeface="微软雅黑" panose="020B0503020204020204" pitchFamily="34" charset="-122"/>
                 <a:ea typeface="微软雅黑" panose="020B0503020204020204" pitchFamily="34" charset="-122"/>
               </a:rPr>
@@ -16133,48 +15984,48 @@
           <a:p>
             <a:pPr lvl="1"/>
             <a:r>
-              <a:rPr lang="zh-CN" altLang="en-US" smtClean="0">
+              <a:rPr lang="zh-CN" altLang="en-US" dirty="0" smtClean="0">
                 <a:latin typeface="微软雅黑" panose="020B0503020204020204" pitchFamily="34" charset="-122"/>
                 <a:ea typeface="微软雅黑" panose="020B0503020204020204" pitchFamily="34" charset="-122"/>
               </a:rPr>
               <a:t>要删除的记录如果还不存在，</a:t>
             </a:r>
             <a:r>
-              <a:rPr lang="en-US" altLang="zh-CN" smtClean="0">
+              <a:rPr lang="en-US" altLang="zh-CN" dirty="0" smtClean="0">
                 <a:latin typeface="微软雅黑" panose="020B0503020204020204" pitchFamily="34" charset="-122"/>
                 <a:ea typeface="微软雅黑" panose="020B0503020204020204" pitchFamily="34" charset="-122"/>
               </a:rPr>
               <a:t>delete</a:t>
             </a:r>
             <a:r>
-              <a:rPr lang="zh-CN" altLang="en-US" smtClean="0">
+              <a:rPr lang="zh-CN" altLang="en-US" dirty="0" smtClean="0">
                 <a:latin typeface="微软雅黑" panose="020B0503020204020204" pitchFamily="34" charset="-122"/>
                 <a:ea typeface="微软雅黑" panose="020B0503020204020204" pitchFamily="34" charset="-122"/>
               </a:rPr>
               <a:t>方法返回</a:t>
             </a:r>
             <a:r>
-              <a:rPr lang="en-US" altLang="zh-CN" smtClean="0">
+              <a:rPr lang="en-US" altLang="zh-CN" dirty="0" smtClean="0">
                 <a:latin typeface="微软雅黑" panose="020B0503020204020204" pitchFamily="34" charset="-122"/>
                 <a:ea typeface="微软雅黑" panose="020B0503020204020204" pitchFamily="34" charset="-122"/>
               </a:rPr>
               <a:t>0</a:t>
             </a:r>
             <a:r>
-              <a:rPr lang="zh-CN" altLang="en-US" smtClean="0">
+              <a:rPr lang="zh-CN" altLang="en-US" dirty="0" smtClean="0">
                 <a:latin typeface="微软雅黑" panose="020B0503020204020204" pitchFamily="34" charset="-122"/>
                 <a:ea typeface="微软雅黑" panose="020B0503020204020204" pitchFamily="34" charset="-122"/>
               </a:rPr>
               <a:t>，可被检测到</a:t>
             </a:r>
-            <a:endParaRPr lang="en-US" altLang="zh-CN" smtClean="0">
+            <a:endParaRPr lang="en-US" altLang="zh-CN" dirty="0" smtClean="0">
               <a:latin typeface="微软雅黑" panose="020B0503020204020204" pitchFamily="34" charset="-122"/>
               <a:ea typeface="微软雅黑" panose="020B0503020204020204" pitchFamily="34" charset="-122"/>
             </a:endParaRPr>
           </a:p>
           <a:p>
             <a:r>
-              <a:rPr lang="en-US" altLang="zh-CN" smtClean="0">
+              <a:rPr lang="en-US" altLang="zh-CN" dirty="0" smtClean="0">
                 <a:solidFill>
                   <a:srgbClr val="FF0000"/>
                 </a:solidFill>
@@ -16187,7 +16038,7 @@
           <a:p>
             <a:pPr lvl="1"/>
             <a:r>
-              <a:rPr lang="zh-CN" altLang="en-US" smtClean="0">
+              <a:rPr lang="zh-CN" altLang="en-US" dirty="0" smtClean="0">
                 <a:solidFill>
                   <a:srgbClr val="FF0000"/>
                 </a:solidFill>
@@ -16196,7 +16047,7 @@
               </a:rPr>
               <a:t>最危险的情况。双方都收到了更新成功，无法观测到问题</a:t>
             </a:r>
-            <a:endParaRPr lang="en-US" altLang="zh-CN" smtClean="0">
+            <a:endParaRPr lang="en-US" altLang="zh-CN" dirty="0" smtClean="0">
               <a:solidFill>
                 <a:srgbClr val="FF0000"/>
               </a:solidFill>
@@ -16205,7 +16056,7 @@
             </a:endParaRPr>
           </a:p>
           <a:p>
-            <a:endParaRPr lang="en-US" altLang="zh-CN" smtClean="0">
+            <a:endParaRPr lang="en-US" altLang="zh-CN" dirty="0" smtClean="0">
               <a:latin typeface="微软雅黑" panose="020B0503020204020204" pitchFamily="34" charset="-122"/>
               <a:ea typeface="微软雅黑" panose="020B0503020204020204" pitchFamily="34" charset="-122"/>
             </a:endParaRPr>
@@ -16817,14 +16668,7 @@
                 <a:latin typeface="微软雅黑" panose="020B0503020204020204" pitchFamily="34" charset="-122"/>
                 <a:ea typeface="微软雅黑" panose="020B0503020204020204" pitchFamily="34" charset="-122"/>
               </a:rPr>
-              <a:t>悲观</a:t>
-            </a:r>
-            <a:r>
-              <a:rPr lang="zh-CN" altLang="en-US" smtClean="0">
-                <a:latin typeface="微软雅黑" panose="020B0503020204020204" pitchFamily="34" charset="-122"/>
-                <a:ea typeface="微软雅黑" panose="020B0503020204020204" pitchFamily="34" charset="-122"/>
-              </a:rPr>
-              <a:t>锁</a:t>
+              <a:t>悲观锁</a:t>
             </a:r>
             <a:r>
               <a:rPr lang="en-US" altLang="zh-CN" smtClean="0">
@@ -16835,11 +16679,7 @@
             </a:r>
             <a:r>
               <a:rPr lang="en-US" altLang="zh-CN"/>
-              <a:t>Pessimistic Locking</a:t>
-            </a:r>
-            <a:r>
-              <a:rPr lang="en-US" altLang="zh-CN"/>
-              <a:t> </a:t>
+              <a:t>Pessimistic Locking </a:t>
             </a:r>
             <a:r>
               <a:rPr lang="en-US" altLang="zh-CN" smtClean="0"/>
@@ -16980,14 +16820,7 @@
                 <a:latin typeface="微软雅黑" panose="020B0503020204020204" pitchFamily="34" charset="-122"/>
                 <a:ea typeface="微软雅黑" panose="020B0503020204020204" pitchFamily="34" charset="-122"/>
               </a:rPr>
-              <a:t>由于事务还没提交，</a:t>
-            </a:r>
-            <a:r>
-              <a:rPr lang="zh-CN" altLang="en-US" sz="1400" smtClean="0">
-                <a:latin typeface="微软雅黑" panose="020B0503020204020204" pitchFamily="34" charset="-122"/>
-                <a:ea typeface="微软雅黑" panose="020B0503020204020204" pitchFamily="34" charset="-122"/>
-              </a:rPr>
-              <a:t>其他人看不见记录</a:t>
+              <a:t>由于事务还没提交，其他人看不见记录</a:t>
             </a:r>
             <a:r>
               <a:rPr lang="en-US" altLang="zh-CN" sz="1400" smtClean="0">
@@ -17113,10 +16946,6 @@
               </a:rPr>
               <a:t>.</a:t>
             </a:r>
-            <a:endParaRPr lang="en-US" altLang="zh-CN" sz="1400" smtClean="0">
-              <a:latin typeface="微软雅黑" panose="020B0503020204020204" pitchFamily="34" charset="-122"/>
-              <a:ea typeface="微软雅黑" panose="020B0503020204020204" pitchFamily="34" charset="-122"/>
-            </a:endParaRPr>
           </a:p>
           <a:p>
             <a:endParaRPr lang="en-US" altLang="zh-CN" smtClean="0">
@@ -22410,35 +22239,21 @@
                 <a:latin typeface="微软雅黑" panose="020B0503020204020204" pitchFamily="34" charset="-122"/>
                 <a:ea typeface="微软雅黑" panose="020B0503020204020204" pitchFamily="34" charset="-122"/>
               </a:rPr>
-              <a:t>没有</a:t>
+              <a:t>没有版本</a:t>
+            </a:r>
+            <a:r>
+              <a:rPr lang="en-US" altLang="zh-CN" smtClean="0">
+                <a:latin typeface="微软雅黑" panose="020B0503020204020204" pitchFamily="34" charset="-122"/>
+                <a:ea typeface="微软雅黑" panose="020B0503020204020204" pitchFamily="34" charset="-122"/>
+              </a:rPr>
+              <a:t>(VERSION) </a:t>
             </a:r>
             <a:r>
               <a:rPr lang="zh-CN" altLang="en-US" smtClean="0">
                 <a:latin typeface="微软雅黑" panose="020B0503020204020204" pitchFamily="34" charset="-122"/>
                 <a:ea typeface="微软雅黑" panose="020B0503020204020204" pitchFamily="34" charset="-122"/>
               </a:rPr>
-              <a:t>版本</a:t>
-            </a:r>
-            <a:r>
-              <a:rPr lang="en-US" altLang="zh-CN" smtClean="0">
-                <a:latin typeface="微软雅黑" panose="020B0503020204020204" pitchFamily="34" charset="-122"/>
-                <a:ea typeface="微软雅黑" panose="020B0503020204020204" pitchFamily="34" charset="-122"/>
-              </a:rPr>
-              <a:t>(VERSION) </a:t>
-            </a:r>
-            <a:r>
-              <a:rPr lang="zh-CN" altLang="en-US" smtClean="0">
-                <a:latin typeface="微软雅黑" panose="020B0503020204020204" pitchFamily="34" charset="-122"/>
-                <a:ea typeface="微软雅黑" panose="020B0503020204020204" pitchFamily="34" charset="-122"/>
-              </a:rPr>
-              <a:t>字段</a:t>
-            </a:r>
-            <a:r>
-              <a:rPr lang="zh-CN" altLang="en-US" smtClean="0">
-                <a:latin typeface="微软雅黑" panose="020B0503020204020204" pitchFamily="34" charset="-122"/>
-                <a:ea typeface="微软雅黑" panose="020B0503020204020204" pitchFamily="34" charset="-122"/>
-              </a:rPr>
-              <a:t>，就不能实现乐观锁了吗？</a:t>
+              <a:t>字段，就不能实现乐观锁了吗？</a:t>
             </a:r>
             <a:endParaRPr lang="zh-CN" altLang="en-US">
               <a:latin typeface="微软雅黑" panose="020B0503020204020204" pitchFamily="34" charset="-122"/>
@@ -25337,7 +25152,7 @@
   <a:extraClrSchemeLst/>
   <a:extLst>
     <a:ext uri="{05A4C25C-085E-4340-85A3-A5531E510DB2}">
-      <thm15:themeFamily xmlns:thm15="http://schemas.microsoft.com/office/thememl/2012/main" xmlns="" name="Office Theme" id="{62F939B6-93AF-4DB8-9C6B-D6C7DFDC589F}" vid="{4A3C46E8-61CC-4603-A589-7422A47A8E4A}"/>
+      <thm15:themeFamily xmlns="" xmlns:thm15="http://schemas.microsoft.com/office/thememl/2012/main" name="Office Theme" id="{62F939B6-93AF-4DB8-9C6B-D6C7DFDC589F}" vid="{4A3C46E8-61CC-4603-A589-7422A47A8E4A}"/>
     </a:ext>
   </a:extLst>
 </a:theme>
